--- a/Day5/day_5.pptx
+++ b/Day5/day_5.pptx
@@ -19,7 +19,6 @@
     <p:sldId id="264" r:id="rId16"/>
     <p:sldId id="265" r:id="rId17"/>
     <p:sldId id="266" r:id="rId18"/>
-    <p:sldId id="267" r:id="rId19"/>
   </p:sldIdLst>
   <p:sldSz cx="9144000" cy="6858000"/>
   <p:notesSz cx="6858000" cy="9144000"/>
@@ -29,97 +28,97 @@
         <a:uFill>
           <a:solidFill/>
         </a:uFill>
-        <a:latin typeface="+mn-lt"/>
-        <a:ea typeface="+mn-ea"/>
-        <a:cs typeface="+mn-cs"/>
+        <a:latin typeface="Calisto MT"/>
+        <a:ea typeface="Calisto MT"/>
+        <a:cs typeface="Calisto MT"/>
         <a:sym typeface="Calisto MT"/>
       </a:defRPr>
     </a:lvl1pPr>
-    <a:lvl2pPr indent="457200">
+    <a:lvl2pPr>
       <a:defRPr>
         <a:uFill>
           <a:solidFill/>
         </a:uFill>
-        <a:latin typeface="+mn-lt"/>
-        <a:ea typeface="+mn-ea"/>
-        <a:cs typeface="+mn-cs"/>
+        <a:latin typeface="Calisto MT"/>
+        <a:ea typeface="Calisto MT"/>
+        <a:cs typeface="Calisto MT"/>
         <a:sym typeface="Calisto MT"/>
       </a:defRPr>
     </a:lvl2pPr>
-    <a:lvl3pPr indent="914400">
+    <a:lvl3pPr>
       <a:defRPr>
         <a:uFill>
           <a:solidFill/>
         </a:uFill>
-        <a:latin typeface="+mn-lt"/>
-        <a:ea typeface="+mn-ea"/>
-        <a:cs typeface="+mn-cs"/>
+        <a:latin typeface="Calisto MT"/>
+        <a:ea typeface="Calisto MT"/>
+        <a:cs typeface="Calisto MT"/>
         <a:sym typeface="Calisto MT"/>
       </a:defRPr>
     </a:lvl3pPr>
-    <a:lvl4pPr indent="1371600">
+    <a:lvl4pPr>
       <a:defRPr>
         <a:uFill>
           <a:solidFill/>
         </a:uFill>
-        <a:latin typeface="+mn-lt"/>
-        <a:ea typeface="+mn-ea"/>
-        <a:cs typeface="+mn-cs"/>
+        <a:latin typeface="Calisto MT"/>
+        <a:ea typeface="Calisto MT"/>
+        <a:cs typeface="Calisto MT"/>
         <a:sym typeface="Calisto MT"/>
       </a:defRPr>
     </a:lvl4pPr>
-    <a:lvl5pPr indent="1828800">
+    <a:lvl5pPr>
       <a:defRPr>
         <a:uFill>
           <a:solidFill/>
         </a:uFill>
-        <a:latin typeface="+mn-lt"/>
-        <a:ea typeface="+mn-ea"/>
-        <a:cs typeface="+mn-cs"/>
+        <a:latin typeface="Calisto MT"/>
+        <a:ea typeface="Calisto MT"/>
+        <a:cs typeface="Calisto MT"/>
         <a:sym typeface="Calisto MT"/>
       </a:defRPr>
     </a:lvl5pPr>
-    <a:lvl6pPr indent="2286000">
+    <a:lvl6pPr>
       <a:defRPr>
         <a:uFill>
           <a:solidFill/>
         </a:uFill>
-        <a:latin typeface="+mn-lt"/>
-        <a:ea typeface="+mn-ea"/>
-        <a:cs typeface="+mn-cs"/>
+        <a:latin typeface="Calisto MT"/>
+        <a:ea typeface="Calisto MT"/>
+        <a:cs typeface="Calisto MT"/>
         <a:sym typeface="Calisto MT"/>
       </a:defRPr>
     </a:lvl6pPr>
-    <a:lvl7pPr indent="2743200">
+    <a:lvl7pPr>
       <a:defRPr>
         <a:uFill>
           <a:solidFill/>
         </a:uFill>
-        <a:latin typeface="+mn-lt"/>
-        <a:ea typeface="+mn-ea"/>
-        <a:cs typeface="+mn-cs"/>
+        <a:latin typeface="Calisto MT"/>
+        <a:ea typeface="Calisto MT"/>
+        <a:cs typeface="Calisto MT"/>
         <a:sym typeface="Calisto MT"/>
       </a:defRPr>
     </a:lvl7pPr>
-    <a:lvl8pPr indent="3200400">
+    <a:lvl8pPr>
       <a:defRPr>
         <a:uFill>
           <a:solidFill/>
         </a:uFill>
-        <a:latin typeface="+mn-lt"/>
-        <a:ea typeface="+mn-ea"/>
-        <a:cs typeface="+mn-cs"/>
+        <a:latin typeface="Calisto MT"/>
+        <a:ea typeface="Calisto MT"/>
+        <a:cs typeface="Calisto MT"/>
         <a:sym typeface="Calisto MT"/>
       </a:defRPr>
     </a:lvl8pPr>
-    <a:lvl9pPr indent="3657600">
+    <a:lvl9pPr>
       <a:defRPr>
         <a:uFill>
           <a:solidFill/>
         </a:uFill>
-        <a:latin typeface="+mn-lt"/>
-        <a:ea typeface="+mn-ea"/>
-        <a:cs typeface="+mn-cs"/>
+        <a:latin typeface="Calisto MT"/>
+        <a:ea typeface="Calisto MT"/>
+        <a:cs typeface="Calisto MT"/>
         <a:sym typeface="Calisto MT"/>
       </a:defRPr>
     </a:lvl9pPr>
@@ -204,101 +203,101 @@
   <p:notesStyle>
     <a:lvl1pPr defTabSz="457200">
       <a:lnSpc>
-        <a:spcPct val="125000"/>
+        <a:spcPct val="117999"/>
       </a:lnSpc>
-      <a:defRPr sz="1600">
-        <a:latin typeface="Avenir Roman"/>
-        <a:ea typeface="Avenir Roman"/>
-        <a:cs typeface="Avenir Roman"/>
-        <a:sym typeface="Avenir Roman"/>
+      <a:defRPr sz="2200">
+        <a:latin typeface="+mn-lt"/>
+        <a:ea typeface="+mn-ea"/>
+        <a:cs typeface="+mn-cs"/>
+        <a:sym typeface="Helvetica Neue"/>
       </a:defRPr>
     </a:lvl1pPr>
     <a:lvl2pPr indent="228600" defTabSz="457200">
       <a:lnSpc>
-        <a:spcPct val="125000"/>
+        <a:spcPct val="117999"/>
       </a:lnSpc>
-      <a:defRPr sz="1600">
-        <a:latin typeface="Avenir Roman"/>
-        <a:ea typeface="Avenir Roman"/>
-        <a:cs typeface="Avenir Roman"/>
-        <a:sym typeface="Avenir Roman"/>
+      <a:defRPr sz="2200">
+        <a:latin typeface="+mn-lt"/>
+        <a:ea typeface="+mn-ea"/>
+        <a:cs typeface="+mn-cs"/>
+        <a:sym typeface="Helvetica Neue"/>
       </a:defRPr>
     </a:lvl2pPr>
     <a:lvl3pPr indent="457200" defTabSz="457200">
       <a:lnSpc>
-        <a:spcPct val="125000"/>
+        <a:spcPct val="117999"/>
       </a:lnSpc>
-      <a:defRPr sz="1600">
-        <a:latin typeface="Avenir Roman"/>
-        <a:ea typeface="Avenir Roman"/>
-        <a:cs typeface="Avenir Roman"/>
-        <a:sym typeface="Avenir Roman"/>
+      <a:defRPr sz="2200">
+        <a:latin typeface="+mn-lt"/>
+        <a:ea typeface="+mn-ea"/>
+        <a:cs typeface="+mn-cs"/>
+        <a:sym typeface="Helvetica Neue"/>
       </a:defRPr>
     </a:lvl3pPr>
     <a:lvl4pPr indent="685800" defTabSz="457200">
       <a:lnSpc>
-        <a:spcPct val="125000"/>
+        <a:spcPct val="117999"/>
       </a:lnSpc>
-      <a:defRPr sz="1600">
-        <a:latin typeface="Avenir Roman"/>
-        <a:ea typeface="Avenir Roman"/>
-        <a:cs typeface="Avenir Roman"/>
-        <a:sym typeface="Avenir Roman"/>
+      <a:defRPr sz="2200">
+        <a:latin typeface="+mn-lt"/>
+        <a:ea typeface="+mn-ea"/>
+        <a:cs typeface="+mn-cs"/>
+        <a:sym typeface="Helvetica Neue"/>
       </a:defRPr>
     </a:lvl4pPr>
     <a:lvl5pPr indent="914400" defTabSz="457200">
       <a:lnSpc>
-        <a:spcPct val="125000"/>
+        <a:spcPct val="117999"/>
       </a:lnSpc>
-      <a:defRPr sz="1600">
-        <a:latin typeface="Avenir Roman"/>
-        <a:ea typeface="Avenir Roman"/>
-        <a:cs typeface="Avenir Roman"/>
-        <a:sym typeface="Avenir Roman"/>
+      <a:defRPr sz="2200">
+        <a:latin typeface="+mn-lt"/>
+        <a:ea typeface="+mn-ea"/>
+        <a:cs typeface="+mn-cs"/>
+        <a:sym typeface="Helvetica Neue"/>
       </a:defRPr>
     </a:lvl5pPr>
     <a:lvl6pPr indent="1143000" defTabSz="457200">
       <a:lnSpc>
-        <a:spcPct val="125000"/>
+        <a:spcPct val="117999"/>
       </a:lnSpc>
-      <a:defRPr sz="1600">
-        <a:latin typeface="Avenir Roman"/>
-        <a:ea typeface="Avenir Roman"/>
-        <a:cs typeface="Avenir Roman"/>
-        <a:sym typeface="Avenir Roman"/>
+      <a:defRPr sz="2200">
+        <a:latin typeface="+mn-lt"/>
+        <a:ea typeface="+mn-ea"/>
+        <a:cs typeface="+mn-cs"/>
+        <a:sym typeface="Helvetica Neue"/>
       </a:defRPr>
     </a:lvl6pPr>
     <a:lvl7pPr indent="1371600" defTabSz="457200">
       <a:lnSpc>
-        <a:spcPct val="125000"/>
+        <a:spcPct val="117999"/>
       </a:lnSpc>
-      <a:defRPr sz="1600">
-        <a:latin typeface="Avenir Roman"/>
-        <a:ea typeface="Avenir Roman"/>
-        <a:cs typeface="Avenir Roman"/>
-        <a:sym typeface="Avenir Roman"/>
+      <a:defRPr sz="2200">
+        <a:latin typeface="+mn-lt"/>
+        <a:ea typeface="+mn-ea"/>
+        <a:cs typeface="+mn-cs"/>
+        <a:sym typeface="Helvetica Neue"/>
       </a:defRPr>
     </a:lvl7pPr>
     <a:lvl8pPr indent="1600200" defTabSz="457200">
       <a:lnSpc>
-        <a:spcPct val="125000"/>
+        <a:spcPct val="117999"/>
       </a:lnSpc>
-      <a:defRPr sz="1600">
-        <a:latin typeface="Avenir Roman"/>
-        <a:ea typeface="Avenir Roman"/>
-        <a:cs typeface="Avenir Roman"/>
-        <a:sym typeface="Avenir Roman"/>
+      <a:defRPr sz="2200">
+        <a:latin typeface="+mn-lt"/>
+        <a:ea typeface="+mn-ea"/>
+        <a:cs typeface="+mn-cs"/>
+        <a:sym typeface="Helvetica Neue"/>
       </a:defRPr>
     </a:lvl8pPr>
     <a:lvl9pPr indent="1828800" defTabSz="457200">
       <a:lnSpc>
-        <a:spcPct val="125000"/>
+        <a:spcPct val="117999"/>
       </a:lnSpc>
-      <a:defRPr sz="1600">
-        <a:latin typeface="Avenir Roman"/>
-        <a:ea typeface="Avenir Roman"/>
-        <a:cs typeface="Avenir Roman"/>
-        <a:sym typeface="Avenir Roman"/>
+      <a:defRPr sz="2200">
+        <a:latin typeface="+mn-lt"/>
+        <a:ea typeface="+mn-ea"/>
+        <a:cs typeface="+mn-cs"/>
+        <a:sym typeface="Helvetica Neue"/>
       </a:defRPr>
     </a:lvl9pPr>
   </p:notesStyle>
@@ -324,7 +323,7 @@
       </p:grpSpPr>
       <p:sp>
         <p:nvSpPr>
-          <p:cNvPr id="135" name="Shape 135"/>
+          <p:cNvPr id="112" name="Shape 112"/>
           <p:cNvSpPr/>
           <p:nvPr>
             <p:ph type="sldImg"/>
@@ -345,7 +344,7 @@
       </p:sp>
       <p:sp>
         <p:nvSpPr>
-          <p:cNvPr id="136" name="Shape 136"/>
+          <p:cNvPr id="113" name="Shape 113"/>
           <p:cNvSpPr/>
           <p:nvPr>
             <p:ph type="body" sz="quarter" idx="1"/>
@@ -361,27 +360,130 @@
           <a:lstStyle/>
           <a:p>
             <a:pPr lvl="0">
+              <a:lnSpc>
+                <a:spcPct val="125000"/>
+              </a:lnSpc>
               <a:defRPr sz="1800"/>
             </a:pPr>
             <a:r>
-              <a:rPr sz="1600"/>
-              <a:t>This is the diagram to repeat how we fetched Products asynchronously. Can anyone come and explain this quickly?</a:t>
-            </a:r>
-            <a:endParaRPr sz="1600"/>
+              <a:rPr sz="1600">
+                <a:latin typeface="Avenir Book"/>
+                <a:ea typeface="Avenir Book"/>
+                <a:cs typeface="Avenir Book"/>
+                <a:sym typeface="Avenir Book"/>
+              </a:rPr>
+              <a:t>Android introduces a Fragment to support more dynamic and flexible UI designs on large screens such as tablets. Lets say you are developing a News application where you have to display News highlights in list form and when User clicks on it you have to display detail of the highlighted news. Now how do you design this for handsets, you create on screen which displays all the news highlights and when any of them is clicked you display detail in other screen. right? Clear?</a:t>
+            </a:r>
+            <a:endParaRPr sz="1600">
+              <a:latin typeface="Avenir Book"/>
+              <a:ea typeface="Avenir Book"/>
+              <a:cs typeface="Avenir Book"/>
+              <a:sym typeface="Avenir Book"/>
+            </a:endParaRPr>
           </a:p>
           <a:p>
             <a:pPr lvl="0">
+              <a:lnSpc>
+                <a:spcPct val="125000"/>
+              </a:lnSpc>
               <a:defRPr sz="1800"/>
             </a:pPr>
-            <a:endParaRPr sz="1600"/>
+            <a:endParaRPr sz="1600">
+              <a:latin typeface="Avenir Book"/>
+              <a:ea typeface="Avenir Book"/>
+              <a:cs typeface="Avenir Book"/>
+              <a:sym typeface="Avenir Book"/>
+            </a:endParaRPr>
           </a:p>
           <a:p>
             <a:pPr lvl="0">
+              <a:lnSpc>
+                <a:spcPct val="125000"/>
+              </a:lnSpc>
               <a:defRPr sz="1800"/>
             </a:pPr>
             <a:r>
-              <a:rPr sz="1600"/>
-              <a:t>We had three main building blocks, Activity, Repo and AsyncTask and Backend server. Activity asks repo to getProducts and pass one callback function to be called when done. Same way Repo asks AsyncTask to get Products and pass one callback function to to called when done. AsyncTask fetch Products in doInBackground() method and return list of products which will be available in postExeute() and from that, AsyncTask will call the callback function passed by Repo with Result. Same way, now Repo will call the callback function passed by Activity with result and activity will update the UI from this callback function.</a:t>
+              <a:rPr sz="1600">
+                <a:latin typeface="Avenir Book"/>
+                <a:ea typeface="Avenir Book"/>
+                <a:cs typeface="Avenir Book"/>
+                <a:sym typeface="Avenir Book"/>
+              </a:rPr>
+              <a:t>Now lets say you have to support Tablets also for you application. Tablets screen is much larger. It doesn’t make sense to display new highlights in this much wider space. You design it as a multi pane UI. Where you display list of news highlights and detail side by side.and when user clicks on any highlight the detail will be changed.</a:t>
+            </a:r>
+            <a:endParaRPr sz="1600">
+              <a:latin typeface="Avenir Book"/>
+              <a:ea typeface="Avenir Book"/>
+              <a:cs typeface="Avenir Book"/>
+              <a:sym typeface="Avenir Book"/>
+            </a:endParaRPr>
+          </a:p>
+          <a:p>
+            <a:pPr lvl="0">
+              <a:lnSpc>
+                <a:spcPct val="125000"/>
+              </a:lnSpc>
+              <a:defRPr sz="1800"/>
+            </a:pPr>
+            <a:endParaRPr sz="1600">
+              <a:latin typeface="Avenir Book"/>
+              <a:ea typeface="Avenir Book"/>
+              <a:cs typeface="Avenir Book"/>
+              <a:sym typeface="Avenir Book"/>
+            </a:endParaRPr>
+          </a:p>
+          <a:p>
+            <a:pPr lvl="0">
+              <a:lnSpc>
+                <a:spcPct val="125000"/>
+              </a:lnSpc>
+              <a:defRPr sz="1800"/>
+            </a:pPr>
+            <a:r>
+              <a:rPr sz="1600">
+                <a:latin typeface="Avenir Book"/>
+                <a:ea typeface="Avenir Book"/>
+                <a:cs typeface="Avenir Book"/>
+                <a:sym typeface="Avenir Book"/>
+              </a:rPr>
+              <a:t>To support this multi-pane UI, we can create two fragments. One is for NewsHighlights and another is for NewsDetail and on handset we put NewsHighlight in one activity and NewsDetail in another but on tables, we put both the fragments in a single activity side by side.</a:t>
+            </a:r>
+            <a:endParaRPr sz="1600">
+              <a:latin typeface="Avenir Book"/>
+              <a:ea typeface="Avenir Book"/>
+              <a:cs typeface="Avenir Book"/>
+              <a:sym typeface="Avenir Book"/>
+            </a:endParaRPr>
+          </a:p>
+          <a:p>
+            <a:pPr lvl="0">
+              <a:lnSpc>
+                <a:spcPct val="125000"/>
+              </a:lnSpc>
+              <a:defRPr sz="1800"/>
+            </a:pPr>
+            <a:endParaRPr sz="1600">
+              <a:latin typeface="Avenir Book"/>
+              <a:ea typeface="Avenir Book"/>
+              <a:cs typeface="Avenir Book"/>
+              <a:sym typeface="Avenir Book"/>
+            </a:endParaRPr>
+          </a:p>
+          <a:p>
+            <a:pPr lvl="0">
+              <a:lnSpc>
+                <a:spcPct val="125000"/>
+              </a:lnSpc>
+              <a:defRPr sz="1800"/>
+            </a:pPr>
+            <a:r>
+              <a:rPr sz="1600">
+                <a:latin typeface="Avenir Book"/>
+                <a:ea typeface="Avenir Book"/>
+                <a:cs typeface="Avenir Book"/>
+                <a:sym typeface="Avenir Book"/>
+              </a:rPr>
+              <a:t>So you can say Fragment is a modular section of an activity which has its own lifecycle and you can reuse it across activities.</a:t>
             </a:r>
           </a:p>
         </p:txBody>
@@ -413,7 +515,7 @@
       </p:grpSpPr>
       <p:sp>
         <p:nvSpPr>
-          <p:cNvPr id="140" name="Shape 140"/>
+          <p:cNvPr id="117" name="Shape 117"/>
           <p:cNvSpPr/>
           <p:nvPr>
             <p:ph type="sldImg"/>
@@ -434,7 +536,7 @@
       </p:sp>
       <p:sp>
         <p:nvSpPr>
-          <p:cNvPr id="141" name="Shape 141"/>
+          <p:cNvPr id="118" name="Shape 118"/>
           <p:cNvSpPr/>
           <p:nvPr>
             <p:ph type="body" sz="quarter" idx="1"/>
@@ -450,326 +552,434 @@
           <a:lstStyle/>
           <a:p>
             <a:pPr lvl="0">
+              <a:lnSpc>
+                <a:spcPct val="125000"/>
+              </a:lnSpc>
               <a:defRPr sz="1800"/>
             </a:pPr>
             <a:r>
-              <a:rPr sz="1600"/>
-              <a:t>Android introduces a Fragment to support more dynamic and flexible UI designs on large screens such as tablets. Lets say you are developing a News application where you have to display News highlights in list form and when User clicks on it you have to display detail of the highlighted news. Now how do you design this for handsets, you create on screen which displays all the news highlights and when any of them is clicked you display detail in other screen. right? Clear?</a:t>
-            </a:r>
-            <a:endParaRPr sz="1600"/>
+              <a:rPr sz="1600">
+                <a:latin typeface="Avenir Book"/>
+                <a:ea typeface="Avenir Book"/>
+                <a:cs typeface="Avenir Book"/>
+                <a:sym typeface="Avenir Book"/>
+              </a:rPr>
+              <a:t>Till now we have understood what is fragment and the lifecycle of fragment. Now lets talk about how to create fragment and how to add it to Activity.</a:t>
+            </a:r>
+            <a:endParaRPr sz="1600">
+              <a:latin typeface="Avenir Book"/>
+              <a:ea typeface="Avenir Book"/>
+              <a:cs typeface="Avenir Book"/>
+              <a:sym typeface="Avenir Book"/>
+            </a:endParaRPr>
           </a:p>
           <a:p>
             <a:pPr lvl="0">
+              <a:lnSpc>
+                <a:spcPct val="125000"/>
+              </a:lnSpc>
               <a:defRPr sz="1800"/>
             </a:pPr>
-            <a:endParaRPr sz="1600"/>
+            <a:endParaRPr sz="1600">
+              <a:latin typeface="Avenir Book"/>
+              <a:ea typeface="Avenir Book"/>
+              <a:cs typeface="Avenir Book"/>
+              <a:sym typeface="Avenir Book"/>
+            </a:endParaRPr>
           </a:p>
           <a:p>
             <a:pPr lvl="0">
+              <a:lnSpc>
+                <a:spcPct val="125000"/>
+              </a:lnSpc>
               <a:defRPr sz="1800"/>
             </a:pPr>
             <a:r>
-              <a:rPr sz="1600"/>
-              <a:t>Now lets say you have to support Tablets also for you application. Tablets screen is much larger. It doesn’t make sense to display new highlights in this much wider space. You design it as a multi pane UI. Where you display list of news highlights and detail side by side.and when user clicks on any highlight the detail will be changed.</a:t>
-            </a:r>
-            <a:endParaRPr sz="1600"/>
+              <a:rPr sz="1600">
+                <a:latin typeface="Avenir Book"/>
+                <a:ea typeface="Avenir Book"/>
+                <a:cs typeface="Avenir Book"/>
+                <a:sym typeface="Avenir Book"/>
+              </a:rPr>
+              <a:t>You can create your own fragment by subclassing a Fragment. You can configure this fragment in layout file or you can directly instantiate this fragment as new Fragment(). After creating a fragment dynamically you can add it in the activity by doing fragment transaction.</a:t>
+            </a:r>
+            <a:endParaRPr sz="1600">
+              <a:latin typeface="Avenir Book"/>
+              <a:ea typeface="Avenir Book"/>
+              <a:cs typeface="Avenir Book"/>
+              <a:sym typeface="Avenir Book"/>
+            </a:endParaRPr>
           </a:p>
           <a:p>
             <a:pPr lvl="0">
+              <a:lnSpc>
+                <a:spcPct val="125000"/>
+              </a:lnSpc>
               <a:defRPr sz="1800"/>
             </a:pPr>
-            <a:endParaRPr sz="1600"/>
+            <a:endParaRPr sz="1600">
+              <a:latin typeface="Avenir Book"/>
+              <a:ea typeface="Avenir Book"/>
+              <a:cs typeface="Avenir Book"/>
+              <a:sym typeface="Avenir Book"/>
+            </a:endParaRPr>
           </a:p>
           <a:p>
             <a:pPr lvl="0">
+              <a:lnSpc>
+                <a:spcPct val="125000"/>
+              </a:lnSpc>
               <a:defRPr sz="1800"/>
             </a:pPr>
             <a:r>
-              <a:rPr sz="1600"/>
-              <a:t>To support this multi-pane UI, we can create two fragments. One is for NewsHighlights and another is for NewsDetail and on handset we put NewsHighlight in one activity and NewsDetail in another but on tables, we put both the fragments in a single activity side by side.</a:t>
-            </a:r>
-            <a:endParaRPr sz="1600"/>
+              <a:rPr sz="1600">
+                <a:latin typeface="Avenir Book"/>
+                <a:ea typeface="Avenir Book"/>
+                <a:cs typeface="Avenir Book"/>
+                <a:sym typeface="Avenir Book"/>
+              </a:rPr>
+              <a:t>So android supports transactions to add, remove or replace fragment by Fragment Transaction abstraction. How do you get this transaction, you get this by calling getFragmantManager().beginTransaction()</a:t>
+            </a:r>
+            <a:endParaRPr sz="1600">
+              <a:latin typeface="Avenir Book"/>
+              <a:ea typeface="Avenir Book"/>
+              <a:cs typeface="Avenir Book"/>
+              <a:sym typeface="Avenir Book"/>
+            </a:endParaRPr>
           </a:p>
           <a:p>
             <a:pPr lvl="0">
+              <a:lnSpc>
+                <a:spcPct val="125000"/>
+              </a:lnSpc>
               <a:defRPr sz="1800"/>
             </a:pPr>
-            <a:endParaRPr sz="1600"/>
+            <a:r>
+              <a:rPr sz="1600">
+                <a:latin typeface="Avenir Book"/>
+                <a:ea typeface="Avenir Book"/>
+                <a:cs typeface="Avenir Book"/>
+                <a:sym typeface="Avenir Book"/>
+              </a:rPr>
+              <a:t> </a:t>
+            </a:r>
+            <a:endParaRPr sz="1600">
+              <a:latin typeface="Avenir Book"/>
+              <a:ea typeface="Avenir Book"/>
+              <a:cs typeface="Avenir Book"/>
+              <a:sym typeface="Avenir Book"/>
+            </a:endParaRPr>
           </a:p>
           <a:p>
             <a:pPr lvl="0">
+              <a:lnSpc>
+                <a:spcPct val="125000"/>
+              </a:lnSpc>
               <a:defRPr sz="1800"/>
             </a:pPr>
             <a:r>
-              <a:rPr sz="1600"/>
-              <a:t>So you can say Fragment is a modular section of an activity which has its own lifecycle and you can reuse it across activities.</a:t>
-            </a:r>
-          </a:p>
-        </p:txBody>
-      </p:sp>
-    </p:spTree>
-  </p:cSld>
-  <p:clrMapOvr>
-    <a:masterClrMapping/>
-  </p:clrMapOvr>
-</p:notes>
-</file>
-
-<file path=ppt/notesSlides/notesSlide3.xml><?xml version="1.0" encoding="utf-8"?>
-<p:notes xmlns:a="http://schemas.openxmlformats.org/drawingml/2006/main" xmlns:r="http://schemas.openxmlformats.org/officeDocument/2006/relationships" xmlns:p="http://schemas.openxmlformats.org/presentationml/2006/main" showMasterSp="1" showMasterPhAnim="1">
-  <p:cSld>
-    <p:spTree>
-      <p:nvGrpSpPr>
-        <p:cNvPr id="1" name=""/>
-        <p:cNvGrpSpPr/>
-        <p:nvPr/>
-      </p:nvGrpSpPr>
-      <p:grpSpPr>
-        <a:xfrm>
-          <a:off x="0" y="0"/>
-          <a:ext cx="0" cy="0"/>
-          <a:chOff x="0" y="0"/>
-          <a:chExt cx="0" cy="0"/>
-        </a:xfrm>
-      </p:grpSpPr>
-      <p:sp>
-        <p:nvSpPr>
-          <p:cNvPr id="145" name="Shape 145"/>
-          <p:cNvSpPr/>
-          <p:nvPr>
-            <p:ph type="sldImg"/>
-          </p:nvPr>
-        </p:nvSpPr>
-        <p:spPr>
-          <a:prstGeom prst="rect">
-            <a:avLst/>
-          </a:prstGeom>
-        </p:spPr>
-        <p:txBody>
-          <a:bodyPr/>
-          <a:lstStyle/>
-          <a:p>
-            <a:pPr lvl="0"/>
-          </a:p>
-        </p:txBody>
-      </p:sp>
-      <p:sp>
-        <p:nvSpPr>
-          <p:cNvPr id="146" name="Shape 146"/>
-          <p:cNvSpPr/>
-          <p:nvPr>
-            <p:ph type="body" sz="quarter" idx="1"/>
-          </p:nvPr>
-        </p:nvSpPr>
-        <p:spPr>
-          <a:prstGeom prst="rect">
-            <a:avLst/>
-          </a:prstGeom>
-        </p:spPr>
-        <p:txBody>
-          <a:bodyPr/>
-          <a:lstStyle/>
+              <a:rPr sz="1600">
+                <a:latin typeface="Avenir Book"/>
+                <a:ea typeface="Avenir Book"/>
+                <a:cs typeface="Avenir Book"/>
+                <a:sym typeface="Avenir Book"/>
+              </a:rPr>
+              <a:t>Now what is Fragment Manager?</a:t>
+            </a:r>
+            <a:endParaRPr sz="1600">
+              <a:latin typeface="Avenir Book"/>
+              <a:ea typeface="Avenir Book"/>
+              <a:cs typeface="Avenir Book"/>
+              <a:sym typeface="Avenir Book"/>
+            </a:endParaRPr>
+          </a:p>
           <a:p>
             <a:pPr lvl="0">
+              <a:lnSpc>
+                <a:spcPct val="125000"/>
+              </a:lnSpc>
               <a:defRPr sz="1800"/>
             </a:pPr>
             <a:r>
-              <a:rPr sz="1600"/>
-              <a:t>Till now we have understood what is fragment and the lifecycle of fragment. Now lets talk about how to create fragment and how to add it to Activity.</a:t>
-            </a:r>
-            <a:endParaRPr sz="1600"/>
-          </a:p>
-          <a:p>
-            <a:pPr lvl="0">
-              <a:defRPr sz="1800"/>
-            </a:pPr>
-            <a:endParaRPr sz="1600"/>
-          </a:p>
-          <a:p>
-            <a:pPr lvl="0">
-              <a:defRPr sz="1800"/>
-            </a:pPr>
-            <a:r>
-              <a:rPr sz="1600"/>
-              <a:t>You can create your own fragment by subclassing a Fragment. You can configure this fragment in layout file or you can directly instantiate this fragment as new Fragment(). After creating a fragment dynamically you can add it in the activity by doing fragment transaction.</a:t>
-            </a:r>
-            <a:endParaRPr sz="1600"/>
-          </a:p>
-          <a:p>
-            <a:pPr lvl="0">
-              <a:defRPr sz="1800"/>
-            </a:pPr>
-            <a:endParaRPr sz="1600"/>
-          </a:p>
-          <a:p>
-            <a:pPr lvl="0">
-              <a:defRPr sz="1800"/>
-            </a:pPr>
-            <a:r>
-              <a:rPr sz="1600"/>
-              <a:t>So android supports transactions to add, remove or replace fragment by Fragment Transaction abstraction. How do you get this transaction, you get this by calling getFragmantManager().beginTransaction()</a:t>
-            </a:r>
-            <a:endParaRPr sz="1600"/>
-          </a:p>
-          <a:p>
-            <a:pPr lvl="0">
-              <a:defRPr sz="1800"/>
-            </a:pPr>
-            <a:r>
-              <a:rPr sz="1600"/>
-              <a:t> </a:t>
-            </a:r>
-            <a:endParaRPr sz="1600"/>
-          </a:p>
-          <a:p>
-            <a:pPr lvl="0">
-              <a:defRPr sz="1800"/>
-            </a:pPr>
-            <a:r>
-              <a:rPr sz="1600"/>
-              <a:t>Now what is Fragment Manager?</a:t>
-            </a:r>
-            <a:endParaRPr sz="1600"/>
-          </a:p>
-          <a:p>
-            <a:pPr lvl="0">
-              <a:defRPr sz="1800"/>
-            </a:pPr>
-            <a:r>
-              <a:rPr sz="1600"/>
+              <a:rPr sz="1600">
+                <a:latin typeface="Avenir Book"/>
+                <a:ea typeface="Avenir Book"/>
+                <a:cs typeface="Avenir Book"/>
+                <a:sym typeface="Avenir Book"/>
+              </a:rPr>
               <a:t>It is used to manager Fragments in your activity. What you can do through Fragment Manager?</a:t>
             </a:r>
-            <a:endParaRPr sz="1600"/>
-          </a:p>
-          <a:p>
-            <a:pPr lvl="0" marL="267368" indent="-267368">
+            <a:endParaRPr sz="1600">
+              <a:latin typeface="Avenir Book"/>
+              <a:ea typeface="Avenir Book"/>
+              <a:cs typeface="Avenir Book"/>
+              <a:sym typeface="Avenir Book"/>
+            </a:endParaRPr>
+          </a:p>
+          <a:p>
+            <a:pPr lvl="0" marL="237660" indent="-237660">
+              <a:lnSpc>
+                <a:spcPct val="125000"/>
+              </a:lnSpc>
               <a:buSzPct val="100000"/>
               <a:buAutoNum type="arabicParenR" startAt="1"/>
               <a:defRPr sz="1800"/>
             </a:pPr>
             <a:r>
-              <a:rPr sz="1600"/>
+              <a:rPr sz="1600">
+                <a:latin typeface="Avenir Book"/>
+                <a:ea typeface="Avenir Book"/>
+                <a:cs typeface="Avenir Book"/>
+                <a:sym typeface="Avenir Book"/>
+              </a:rPr>
               <a:t>You begin a transaction through fragment manager as i showed you</a:t>
             </a:r>
-            <a:endParaRPr sz="1600"/>
-          </a:p>
-          <a:p>
-            <a:pPr lvl="0" marL="267368" indent="-267368">
+            <a:endParaRPr sz="1600">
+              <a:latin typeface="Avenir Book"/>
+              <a:ea typeface="Avenir Book"/>
+              <a:cs typeface="Avenir Book"/>
+              <a:sym typeface="Avenir Book"/>
+            </a:endParaRPr>
+          </a:p>
+          <a:p>
+            <a:pPr lvl="0" marL="237660" indent="-237660">
+              <a:lnSpc>
+                <a:spcPct val="125000"/>
+              </a:lnSpc>
               <a:buSzPct val="100000"/>
               <a:buAutoNum type="arabicParenR" startAt="1"/>
               <a:defRPr sz="1800"/>
             </a:pPr>
             <a:r>
-              <a:rPr sz="1600"/>
+              <a:rPr sz="1600">
+                <a:latin typeface="Avenir Book"/>
+                <a:ea typeface="Avenir Book"/>
+                <a:cs typeface="Avenir Book"/>
+                <a:sym typeface="Avenir Book"/>
+              </a:rPr>
               <a:t>You can existing fragments by findFragmentByTag() or FindFragmentById()</a:t>
             </a:r>
-            <a:endParaRPr sz="1600"/>
-          </a:p>
-          <a:p>
-            <a:pPr lvl="0" marL="267368" indent="-267368">
+            <a:endParaRPr sz="1600">
+              <a:latin typeface="Avenir Book"/>
+              <a:ea typeface="Avenir Book"/>
+              <a:cs typeface="Avenir Book"/>
+              <a:sym typeface="Avenir Book"/>
+            </a:endParaRPr>
+          </a:p>
+          <a:p>
+            <a:pPr lvl="0" marL="237660" indent="-237660">
+              <a:lnSpc>
+                <a:spcPct val="125000"/>
+              </a:lnSpc>
               <a:buSzPct val="100000"/>
               <a:buAutoNum type="arabicParenR" startAt="1"/>
               <a:defRPr sz="1800"/>
             </a:pPr>
             <a:r>
-              <a:rPr sz="1600"/>
+              <a:rPr sz="1600">
+                <a:latin typeface="Avenir Book"/>
+                <a:ea typeface="Avenir Book"/>
+                <a:cs typeface="Avenir Book"/>
+                <a:sym typeface="Avenir Book"/>
+              </a:rPr>
               <a:t>Pop fragments off the back stack by calling popBackStack()</a:t>
             </a:r>
-            <a:endParaRPr sz="1600"/>
-          </a:p>
-          <a:p>
-            <a:pPr lvl="0" marL="267368" indent="-267368">
+            <a:endParaRPr sz="1600">
+              <a:latin typeface="Avenir Book"/>
+              <a:ea typeface="Avenir Book"/>
+              <a:cs typeface="Avenir Book"/>
+              <a:sym typeface="Avenir Book"/>
+            </a:endParaRPr>
+          </a:p>
+          <a:p>
+            <a:pPr lvl="0" marL="237660" indent="-237660">
+              <a:lnSpc>
+                <a:spcPct val="125000"/>
+              </a:lnSpc>
               <a:buSzPct val="100000"/>
               <a:buAutoNum type="arabicParenR" startAt="1"/>
               <a:defRPr sz="1800"/>
             </a:pPr>
             <a:r>
-              <a:rPr sz="1600"/>
+              <a:rPr sz="1600">
+                <a:latin typeface="Avenir Book"/>
+                <a:ea typeface="Avenir Book"/>
+                <a:cs typeface="Avenir Book"/>
+                <a:sym typeface="Avenir Book"/>
+              </a:rPr>
               <a:t>register a listener for changes in the back stack</a:t>
             </a:r>
-            <a:endParaRPr sz="1600"/>
+            <a:endParaRPr sz="1600">
+              <a:latin typeface="Avenir Book"/>
+              <a:ea typeface="Avenir Book"/>
+              <a:cs typeface="Avenir Book"/>
+              <a:sym typeface="Avenir Book"/>
+            </a:endParaRPr>
           </a:p>
           <a:p>
             <a:pPr lvl="0">
+              <a:lnSpc>
+                <a:spcPct val="125000"/>
+              </a:lnSpc>
               <a:defRPr sz="1800"/>
             </a:pPr>
-            <a:endParaRPr sz="1600"/>
+            <a:endParaRPr sz="1600">
+              <a:latin typeface="Avenir Book"/>
+              <a:ea typeface="Avenir Book"/>
+              <a:cs typeface="Avenir Book"/>
+              <a:sym typeface="Avenir Book"/>
+            </a:endParaRPr>
           </a:p>
           <a:p>
             <a:pPr lvl="0">
+              <a:lnSpc>
+                <a:spcPct val="125000"/>
+              </a:lnSpc>
               <a:defRPr sz="1800"/>
             </a:pPr>
             <a:r>
-              <a:rPr sz="1600"/>
+              <a:rPr sz="1600">
+                <a:latin typeface="Avenir Book"/>
+                <a:ea typeface="Avenir Book"/>
+                <a:cs typeface="Avenir Book"/>
+                <a:sym typeface="Avenir Book"/>
+              </a:rPr>
               <a:t>For example, you already have an application for mobiles but now you want to add support for tablets or If i take a delta’s example then our old design was like this and now we have to design it with navigation drawer.</a:t>
             </a:r>
-            <a:endParaRPr sz="1600"/>
+            <a:endParaRPr sz="1600">
+              <a:latin typeface="Avenir Book"/>
+              <a:ea typeface="Avenir Book"/>
+              <a:cs typeface="Avenir Book"/>
+              <a:sym typeface="Avenir Book"/>
+            </a:endParaRPr>
           </a:p>
           <a:p>
             <a:pPr lvl="0">
+              <a:lnSpc>
+                <a:spcPct val="125000"/>
+              </a:lnSpc>
               <a:defRPr sz="1800"/>
             </a:pPr>
-            <a:endParaRPr sz="1600"/>
-          </a:p>
-          <a:p>
-            <a:pPr lvl="0" marL="213894" indent="-213894">
+            <a:endParaRPr sz="1600">
+              <a:latin typeface="Avenir Book"/>
+              <a:ea typeface="Avenir Book"/>
+              <a:cs typeface="Avenir Book"/>
+              <a:sym typeface="Avenir Book"/>
+            </a:endParaRPr>
+          </a:p>
+          <a:p>
+            <a:pPr lvl="0" marL="190127" indent="-190127">
+              <a:lnSpc>
+                <a:spcPct val="125000"/>
+              </a:lnSpc>
               <a:buSzPct val="100000"/>
               <a:buAutoNum type="arabicPeriod" startAt="1"/>
               <a:defRPr sz="1800"/>
             </a:pPr>
             <a:r>
-              <a:rPr sz="1600"/>
+              <a:rPr sz="1600">
+                <a:latin typeface="Avenir Book"/>
+                <a:ea typeface="Avenir Book"/>
+                <a:cs typeface="Avenir Book"/>
+                <a:sym typeface="Avenir Book"/>
+              </a:rPr>
               <a:t>Copy every thing what ever is there in Activity to Fragment</a:t>
             </a:r>
-            <a:endParaRPr sz="1600"/>
-          </a:p>
-          <a:p>
-            <a:pPr lvl="0" marL="213894" indent="-213894">
+            <a:endParaRPr sz="1600">
+              <a:latin typeface="Avenir Book"/>
+              <a:ea typeface="Avenir Book"/>
+              <a:cs typeface="Avenir Book"/>
+              <a:sym typeface="Avenir Book"/>
+            </a:endParaRPr>
+          </a:p>
+          <a:p>
+            <a:pPr lvl="0" marL="190127" indent="-190127">
+              <a:lnSpc>
+                <a:spcPct val="125000"/>
+              </a:lnSpc>
               <a:buSzPct val="100000"/>
               <a:buAutoNum type="arabicPeriod" startAt="1"/>
               <a:defRPr sz="1800"/>
             </a:pPr>
             <a:r>
-              <a:rPr sz="1600"/>
+              <a:rPr sz="1600">
+                <a:latin typeface="Avenir Book"/>
+                <a:ea typeface="Avenir Book"/>
+                <a:cs typeface="Avenir Book"/>
+                <a:sym typeface="Avenir Book"/>
+              </a:rPr>
               <a:t>Change method onCreate() to onCreateView()</a:t>
             </a:r>
-            <a:endParaRPr sz="1600"/>
-          </a:p>
-          <a:p>
-            <a:pPr lvl="0" marL="213894" indent="-213894">
+            <a:endParaRPr sz="1600">
+              <a:latin typeface="Avenir Book"/>
+              <a:ea typeface="Avenir Book"/>
+              <a:cs typeface="Avenir Book"/>
+              <a:sym typeface="Avenir Book"/>
+            </a:endParaRPr>
+          </a:p>
+          <a:p>
+            <a:pPr lvl="0" marL="190127" indent="-190127">
+              <a:lnSpc>
+                <a:spcPct val="125000"/>
+              </a:lnSpc>
               <a:buSzPct val="100000"/>
               <a:buAutoNum type="arabicPeriod" startAt="1"/>
               <a:defRPr sz="1800"/>
             </a:pPr>
             <a:r>
-              <a:rPr sz="1600"/>
+              <a:rPr sz="1600">
+                <a:latin typeface="Avenir Book"/>
+                <a:ea typeface="Avenir Book"/>
+                <a:cs typeface="Avenir Book"/>
+                <a:sym typeface="Avenir Book"/>
+              </a:rPr>
               <a:t>Instead of Intent, use Arguments to get data</a:t>
             </a:r>
-            <a:endParaRPr sz="1600"/>
-          </a:p>
-          <a:p>
-            <a:pPr lvl="0" marL="213894" indent="-213894">
+            <a:endParaRPr sz="1600">
+              <a:latin typeface="Avenir Book"/>
+              <a:ea typeface="Avenir Book"/>
+              <a:cs typeface="Avenir Book"/>
+              <a:sym typeface="Avenir Book"/>
+            </a:endParaRPr>
+          </a:p>
+          <a:p>
+            <a:pPr lvl="0" marL="190127" indent="-190127">
+              <a:lnSpc>
+                <a:spcPct val="125000"/>
+              </a:lnSpc>
               <a:buSzPct val="100000"/>
               <a:buAutoNum type="arabicPeriod" startAt="1"/>
               <a:defRPr sz="1800"/>
             </a:pPr>
             <a:r>
-              <a:rPr sz="1600"/>
+              <a:rPr sz="1600">
+                <a:latin typeface="Avenir Book"/>
+                <a:ea typeface="Avenir Book"/>
+                <a:cs typeface="Avenir Book"/>
+                <a:sym typeface="Avenir Book"/>
+              </a:rPr>
               <a:t>Add this fragment to the activity through Fragment Manager and pass data in arguments.</a:t>
             </a:r>
-            <a:endParaRPr sz="1600"/>
+            <a:endParaRPr sz="1600">
+              <a:latin typeface="Avenir Book"/>
+              <a:ea typeface="Avenir Book"/>
+              <a:cs typeface="Avenir Book"/>
+              <a:sym typeface="Avenir Book"/>
+            </a:endParaRPr>
           </a:p>
           <a:p>
             <a:pPr lvl="0">
+              <a:lnSpc>
+                <a:spcPct val="125000"/>
+              </a:lnSpc>
               <a:defRPr sz="1800"/>
             </a:pPr>
-            <a:endParaRPr sz="1600"/>
-          </a:p>
-          <a:p>
-            <a:pPr lvl="0">
-              <a:defRPr sz="1800"/>
-            </a:pPr>
-            <a:endParaRPr sz="1600"/>
+            <a:endParaRPr sz="1600">
+              <a:latin typeface="Avenir Book"/>
+              <a:ea typeface="Avenir Book"/>
+              <a:cs typeface="Avenir Book"/>
+              <a:sym typeface="Avenir Book"/>
+            </a:endParaRPr>
           </a:p>
         </p:txBody>
       </p:sp>
@@ -800,7 +1010,7 @@
       </p:grpSpPr>
       <p:pic>
         <p:nvPicPr>
-          <p:cNvPr id="8" name="image4.png" descr="TitlePageOverlay.png"/>
+          <p:cNvPr id="8" name="image3.png" descr="TitlePageOverlay.png"/>
           <p:cNvPicPr/>
           <p:nvPr/>
         </p:nvPicPr>
@@ -836,7 +1046,7 @@
         <p:spPr>
           <a:xfrm>
             <a:off x="571500" y="0"/>
-            <a:ext cx="8001000" cy="4101167"/>
+            <a:ext cx="8001000" cy="4101168"/>
           </a:xfrm>
           <a:prstGeom prst="rect">
             <a:avLst/>
@@ -894,7 +1104,7 @@
               <a:buFontTx/>
               <a:buNone/>
             </a:lvl1pPr>
-            <a:lvl2pPr marL="0" indent="457200" algn="ctr">
+            <a:lvl2pPr marL="0" indent="0" algn="ctr">
               <a:spcBef>
                 <a:spcPts val="0"/>
               </a:spcBef>
@@ -902,7 +1112,7 @@
               <a:buFontTx/>
               <a:buNone/>
             </a:lvl2pPr>
-            <a:lvl3pPr marL="0" indent="914400" algn="ctr">
+            <a:lvl3pPr marL="0" indent="0" algn="ctr">
               <a:spcBef>
                 <a:spcPts val="0"/>
               </a:spcBef>
@@ -910,7 +1120,7 @@
               <a:buFontTx/>
               <a:buNone/>
             </a:lvl3pPr>
-            <a:lvl4pPr marL="0" indent="1371600" algn="ctr">
+            <a:lvl4pPr marL="0" indent="0" algn="ctr">
               <a:spcBef>
                 <a:spcPts val="0"/>
               </a:spcBef>
@@ -918,7 +1128,7 @@
               <a:buFontTx/>
               <a:buNone/>
             </a:lvl4pPr>
-            <a:lvl5pPr marL="0" indent="1828800" algn="ctr">
+            <a:lvl5pPr marL="0" indent="0" algn="ctr">
               <a:spcBef>
                 <a:spcPts val="0"/>
               </a:spcBef>
@@ -1048,7 +1258,7 @@
       </p:sp>
       <p:pic>
         <p:nvPicPr>
-          <p:cNvPr id="12" name="image5.png" descr="standardRule.png"/>
+          <p:cNvPr id="12" name="image2.png" descr="standardRule.png"/>
           <p:cNvPicPr/>
           <p:nvPr/>
         </p:nvPicPr>
@@ -1108,7 +1318,7 @@
       </p:grpSpPr>
       <p:pic>
         <p:nvPicPr>
-          <p:cNvPr id="54" name="image3.png" descr="TextPageOverlay.png"/>
+          <p:cNvPr id="54" name="image1.png" descr="TextPageOverlay.png"/>
           <p:cNvPicPr/>
           <p:nvPr/>
         </p:nvPicPr>
@@ -1144,7 +1354,7 @@
         <p:spPr>
           <a:xfrm>
             <a:off x="594359" y="0"/>
-            <a:ext cx="3749042" cy="2144537"/>
+            <a:ext cx="3749043" cy="2144537"/>
           </a:xfrm>
           <a:prstGeom prst="rect">
             <a:avLst/>
@@ -1185,7 +1395,7 @@
         <p:spPr>
           <a:xfrm>
             <a:off x="594359" y="2551176"/>
-            <a:ext cx="3749042" cy="4306824"/>
+            <a:ext cx="3749043" cy="4306824"/>
           </a:xfrm>
           <a:prstGeom prst="rect">
             <a:avLst/>
@@ -1203,7 +1413,7 @@
               <a:buNone/>
               <a:defRPr sz="1800"/>
             </a:lvl1pPr>
-            <a:lvl2pPr marL="0" indent="457200" algn="ctr">
+            <a:lvl2pPr marL="0" indent="0" algn="ctr">
               <a:spcBef>
                 <a:spcPts val="1800"/>
               </a:spcBef>
@@ -1212,7 +1422,7 @@
               <a:buNone/>
               <a:defRPr sz="1800"/>
             </a:lvl2pPr>
-            <a:lvl3pPr marL="0" indent="914400" algn="ctr">
+            <a:lvl3pPr marL="0" indent="0" algn="ctr">
               <a:spcBef>
                 <a:spcPts val="1800"/>
               </a:spcBef>
@@ -1221,7 +1431,7 @@
               <a:buNone/>
               <a:defRPr sz="1800"/>
             </a:lvl3pPr>
-            <a:lvl4pPr marL="0" indent="1371600" algn="ctr">
+            <a:lvl4pPr marL="0" indent="0" algn="ctr">
               <a:spcBef>
                 <a:spcPts val="1800"/>
               </a:spcBef>
@@ -1230,7 +1440,7 @@
               <a:buNone/>
               <a:defRPr sz="1800"/>
             </a:lvl4pPr>
-            <a:lvl5pPr marL="0" indent="1828800" algn="ctr">
+            <a:lvl5pPr marL="0" indent="0" algn="ctr">
               <a:spcBef>
                 <a:spcPts val="1800"/>
               </a:spcBef>
@@ -1361,7 +1571,7 @@
       </p:sp>
       <p:pic>
         <p:nvPicPr>
-          <p:cNvPr id="58" name="image7.png" descr="shortRule.png"/>
+          <p:cNvPr id="58" name="image5.png" descr="shortRule.png"/>
           <p:cNvPicPr/>
           <p:nvPr/>
         </p:nvPicPr>
@@ -1376,7 +1586,7 @@
         <p:spPr>
           <a:xfrm>
             <a:off x="1222898" y="2305609"/>
-            <a:ext cx="2495551" cy="95251"/>
+            <a:ext cx="2495551" cy="95252"/>
           </a:xfrm>
           <a:prstGeom prst="rect">
             <a:avLst/>
@@ -1395,7 +1605,7 @@
       </p:pic>
       <p:pic>
         <p:nvPicPr>
-          <p:cNvPr id="59" name="image8.png" descr="parAvion.png"/>
+          <p:cNvPr id="59" name="image6.png" descr="parAvion.png"/>
           <p:cNvPicPr/>
           <p:nvPr/>
         </p:nvPicPr>
@@ -1410,7 +1620,7 @@
         <p:spPr>
           <a:xfrm rot="308221">
             <a:off x="6798019" y="538594"/>
-            <a:ext cx="1808486" cy="516710"/>
+            <a:ext cx="1808487" cy="516710"/>
           </a:xfrm>
           <a:prstGeom prst="rect">
             <a:avLst/>
@@ -1448,7 +1658,7 @@
       </p:grpSpPr>
       <p:pic>
         <p:nvPicPr>
-          <p:cNvPr id="61" name="image4.png" descr="TitlePageOverlay.png"/>
+          <p:cNvPr id="61" name="image3.png" descr="TitlePageOverlay.png"/>
           <p:cNvPicPr/>
           <p:nvPr/>
         </p:nvPicPr>
@@ -1483,8 +1693,8 @@
         </p:nvSpPr>
         <p:spPr>
           <a:xfrm>
-            <a:off x="571500" y="1210324"/>
-            <a:ext cx="8001000" cy="3424430"/>
+            <a:off x="571500" y="0"/>
+            <a:ext cx="8001000" cy="4634755"/>
           </a:xfrm>
           <a:prstGeom prst="rect">
             <a:avLst/>
@@ -1543,7 +1753,7 @@
               <a:buNone/>
               <a:defRPr sz="1800"/>
             </a:lvl1pPr>
-            <a:lvl2pPr marL="0" indent="457200" algn="ctr">
+            <a:lvl2pPr marL="0" indent="0" algn="ctr">
               <a:spcBef>
                 <a:spcPts val="1800"/>
               </a:spcBef>
@@ -1552,7 +1762,7 @@
               <a:buNone/>
               <a:defRPr sz="1800"/>
             </a:lvl2pPr>
-            <a:lvl3pPr marL="0" indent="914400" algn="ctr">
+            <a:lvl3pPr marL="0" indent="0" algn="ctr">
               <a:spcBef>
                 <a:spcPts val="1800"/>
               </a:spcBef>
@@ -1561,7 +1771,7 @@
               <a:buNone/>
               <a:defRPr sz="1800"/>
             </a:lvl3pPr>
-            <a:lvl4pPr marL="0" indent="1371600" algn="ctr">
+            <a:lvl4pPr marL="0" indent="0" algn="ctr">
               <a:spcBef>
                 <a:spcPts val="1800"/>
               </a:spcBef>
@@ -1570,7 +1780,7 @@
               <a:buNone/>
               <a:defRPr sz="1800"/>
             </a:lvl4pPr>
-            <a:lvl5pPr marL="0" indent="1828800" algn="ctr">
+            <a:lvl5pPr marL="0" indent="0" algn="ctr">
               <a:spcBef>
                 <a:spcPts val="1800"/>
               </a:spcBef>
@@ -1701,7 +1911,7 @@
       </p:sp>
       <p:pic>
         <p:nvPicPr>
-          <p:cNvPr id="65" name="image7.png" descr="shortRule.png"/>
+          <p:cNvPr id="65" name="image5.png" descr="shortRule.png"/>
           <p:cNvPicPr/>
           <p:nvPr/>
         </p:nvPicPr>
@@ -1716,7 +1926,7 @@
         <p:spPr>
           <a:xfrm>
             <a:off x="3324225" y="4666129"/>
-            <a:ext cx="2495550" cy="95251"/>
+            <a:ext cx="2495550" cy="95252"/>
           </a:xfrm>
           <a:prstGeom prst="rect">
             <a:avLst/>
@@ -1761,7 +1971,7 @@
       </p:grpSpPr>
       <p:pic>
         <p:nvPicPr>
-          <p:cNvPr id="67" name="image4.png" descr="TitlePageOverlay.png"/>
+          <p:cNvPr id="67" name="image3.png" descr="TitlePageOverlay.png"/>
           <p:cNvPicPr/>
           <p:nvPr/>
         </p:nvPicPr>
@@ -1788,7 +1998,7 @@
       </p:pic>
       <p:pic>
         <p:nvPicPr>
-          <p:cNvPr id="68" name="image8.png" descr="parAvion.png"/>
+          <p:cNvPr id="68" name="image6.png" descr="parAvion.png"/>
           <p:cNvPicPr/>
           <p:nvPr/>
         </p:nvPicPr>
@@ -1803,7 +2013,7 @@
         <p:spPr>
           <a:xfrm rot="308221">
             <a:off x="6835967" y="278688"/>
-            <a:ext cx="1695955" cy="484559"/>
+            <a:ext cx="1695956" cy="484559"/>
           </a:xfrm>
           <a:prstGeom prst="rect">
             <a:avLst/>
@@ -1823,8 +2033,8 @@
         </p:nvSpPr>
         <p:spPr>
           <a:xfrm>
-            <a:off x="571500" y="1210324"/>
-            <a:ext cx="8001000" cy="3424430"/>
+            <a:off x="571500" y="0"/>
+            <a:ext cx="8001000" cy="4634755"/>
           </a:xfrm>
           <a:prstGeom prst="rect">
             <a:avLst/>
@@ -1883,7 +2093,7 @@
               <a:buNone/>
               <a:defRPr sz="1800"/>
             </a:lvl1pPr>
-            <a:lvl2pPr marL="0" indent="457200" algn="ctr">
+            <a:lvl2pPr marL="0" indent="0" algn="ctr">
               <a:spcBef>
                 <a:spcPts val="1800"/>
               </a:spcBef>
@@ -1892,7 +2102,7 @@
               <a:buNone/>
               <a:defRPr sz="1800"/>
             </a:lvl2pPr>
-            <a:lvl3pPr marL="0" indent="914400" algn="ctr">
+            <a:lvl3pPr marL="0" indent="0" algn="ctr">
               <a:spcBef>
                 <a:spcPts val="1800"/>
               </a:spcBef>
@@ -1901,7 +2111,7 @@
               <a:buNone/>
               <a:defRPr sz="1800"/>
             </a:lvl3pPr>
-            <a:lvl4pPr marL="0" indent="1371600" algn="ctr">
+            <a:lvl4pPr marL="0" indent="0" algn="ctr">
               <a:spcBef>
                 <a:spcPts val="1800"/>
               </a:spcBef>
@@ -1910,7 +2120,7 @@
               <a:buNone/>
               <a:defRPr sz="1800"/>
             </a:lvl4pPr>
-            <a:lvl5pPr marL="0" indent="1828800" algn="ctr">
+            <a:lvl5pPr marL="0" indent="0" algn="ctr">
               <a:spcBef>
                 <a:spcPts val="1800"/>
               </a:spcBef>
@@ -2041,7 +2251,7 @@
       </p:sp>
       <p:pic>
         <p:nvPicPr>
-          <p:cNvPr id="72" name="image7.png" descr="shortRule.png"/>
+          <p:cNvPr id="72" name="image5.png" descr="shortRule.png"/>
           <p:cNvPicPr/>
           <p:nvPr/>
         </p:nvPicPr>
@@ -2056,7 +2266,7 @@
         <p:spPr>
           <a:xfrm>
             <a:off x="3324225" y="4666129"/>
-            <a:ext cx="2495550" cy="95251"/>
+            <a:ext cx="2495550" cy="95252"/>
           </a:xfrm>
           <a:prstGeom prst="rect">
             <a:avLst/>
@@ -2075,7 +2285,7 @@
       </p:pic>
       <p:pic>
         <p:nvPicPr>
-          <p:cNvPr id="73" name="image8.png" descr="parAvion.png"/>
+          <p:cNvPr id="73" name="image6.png" descr="parAvion.png"/>
           <p:cNvPicPr/>
           <p:nvPr/>
         </p:nvPicPr>
@@ -2089,8 +2299,8 @@
         </p:blipFill>
         <p:spPr>
           <a:xfrm rot="20785256">
-            <a:off x="2866027" y="3182425"/>
-            <a:ext cx="1695956" cy="484559"/>
+            <a:off x="2866026" y="3182424"/>
+            <a:ext cx="1695957" cy="484560"/>
           </a:xfrm>
           <a:prstGeom prst="rect">
             <a:avLst/>
@@ -2128,7 +2338,7 @@
       </p:grpSpPr>
       <p:pic>
         <p:nvPicPr>
-          <p:cNvPr id="75" name="image4.png" descr="TitlePageOverlay.png"/>
+          <p:cNvPr id="75" name="image3.png" descr="TitlePageOverlay.png"/>
           <p:cNvPicPr/>
           <p:nvPr/>
         </p:nvPicPr>
@@ -2164,7 +2374,7 @@
         <p:spPr>
           <a:xfrm>
             <a:off x="4983479" y="4800600"/>
-            <a:ext cx="3246121" cy="1188720"/>
+            <a:ext cx="3246122" cy="1188720"/>
           </a:xfrm>
           <a:prstGeom prst="rect">
             <a:avLst/>
@@ -2187,7 +2397,7 @@
                 <a:sym typeface="Mistral"/>
               </a:defRPr>
             </a:lvl1pPr>
-            <a:lvl2pPr marL="0" indent="457200" algn="ctr">
+            <a:lvl2pPr marL="0" indent="0" algn="ctr">
               <a:spcBef>
                 <a:spcPts val="1800"/>
               </a:spcBef>
@@ -2201,7 +2411,7 @@
                 <a:sym typeface="Mistral"/>
               </a:defRPr>
             </a:lvl2pPr>
-            <a:lvl3pPr marL="0" indent="914400" algn="ctr">
+            <a:lvl3pPr marL="0" indent="0" algn="ctr">
               <a:spcBef>
                 <a:spcPts val="1800"/>
               </a:spcBef>
@@ -2215,7 +2425,7 @@
                 <a:sym typeface="Mistral"/>
               </a:defRPr>
             </a:lvl3pPr>
-            <a:lvl4pPr marL="0" indent="1371600" algn="ctr">
+            <a:lvl4pPr marL="0" indent="0" algn="ctr">
               <a:spcBef>
                 <a:spcPts val="1800"/>
               </a:spcBef>
@@ -2229,7 +2439,7 @@
                 <a:sym typeface="Mistral"/>
               </a:defRPr>
             </a:lvl4pPr>
-            <a:lvl5pPr marL="0" indent="1828800" algn="ctr">
+            <a:lvl5pPr marL="0" indent="0" algn="ctr">
               <a:spcBef>
                 <a:spcPts val="1800"/>
               </a:spcBef>
@@ -2374,7 +2584,7 @@
         <p:spPr>
           <a:xfrm rot="21240000">
             <a:off x="4717562" y="3396153"/>
-            <a:ext cx="3474721" cy="1097281"/>
+            <a:ext cx="3474721" cy="1097282"/>
           </a:xfrm>
           <a:prstGeom prst="rect">
             <a:avLst/>
@@ -2442,7 +2652,7 @@
       </p:grpSpPr>
       <p:pic>
         <p:nvPicPr>
-          <p:cNvPr id="80" name="image4.png" descr="TitlePageOverlay.png"/>
+          <p:cNvPr id="80" name="image3.png" descr="TitlePageOverlay.png"/>
           <p:cNvPicPr/>
           <p:nvPr/>
         </p:nvPicPr>
@@ -2501,7 +2711,7 @@
                 <a:sym typeface="Mistral"/>
               </a:defRPr>
             </a:lvl1pPr>
-            <a:lvl2pPr marL="0" indent="457200" algn="ctr">
+            <a:lvl2pPr marL="0" indent="0" algn="ctr">
               <a:spcBef>
                 <a:spcPts val="1800"/>
               </a:spcBef>
@@ -2515,7 +2725,7 @@
                 <a:sym typeface="Mistral"/>
               </a:defRPr>
             </a:lvl2pPr>
-            <a:lvl3pPr marL="0" indent="914400" algn="ctr">
+            <a:lvl3pPr marL="0" indent="0" algn="ctr">
               <a:spcBef>
                 <a:spcPts val="1800"/>
               </a:spcBef>
@@ -2529,7 +2739,7 @@
                 <a:sym typeface="Mistral"/>
               </a:defRPr>
             </a:lvl3pPr>
-            <a:lvl4pPr marL="0" indent="1371600" algn="ctr">
+            <a:lvl4pPr marL="0" indent="0" algn="ctr">
               <a:spcBef>
                 <a:spcPts val="1800"/>
               </a:spcBef>
@@ -2543,7 +2753,7 @@
                 <a:sym typeface="Mistral"/>
               </a:defRPr>
             </a:lvl4pPr>
-            <a:lvl5pPr marL="0" indent="1828800" algn="ctr">
+            <a:lvl5pPr marL="0" indent="0" algn="ctr">
               <a:spcBef>
                 <a:spcPts val="1800"/>
               </a:spcBef>
@@ -2679,7 +2889,7 @@
       </p:sp>
       <p:pic>
         <p:nvPicPr>
-          <p:cNvPr id="83" name="image8.png" descr="parAvion.png"/>
+          <p:cNvPr id="83" name="image6.png" descr="parAvion.png"/>
           <p:cNvPicPr/>
           <p:nvPr/>
         </p:nvPicPr>
@@ -2694,7 +2904,7 @@
         <p:spPr>
           <a:xfrm rot="308221">
             <a:off x="7428514" y="2619243"/>
-            <a:ext cx="1580738" cy="451640"/>
+            <a:ext cx="1580739" cy="451641"/>
           </a:xfrm>
           <a:prstGeom prst="rect">
             <a:avLst/>
@@ -2706,7 +2916,7 @@
       </p:pic>
       <p:pic>
         <p:nvPicPr>
-          <p:cNvPr id="84" name="image6.png" descr="pictureStamp-Frame.png"/>
+          <p:cNvPr id="84" name="image4.png" descr="pictureStamp-Frame.png"/>
           <p:cNvPicPr/>
           <p:nvPr/>
         </p:nvPicPr>
@@ -2720,8 +2930,8 @@
         </p:blipFill>
         <p:spPr>
           <a:xfrm rot="322260">
-            <a:off x="6339645" y="604321"/>
-            <a:ext cx="1610334" cy="2025115"/>
+            <a:off x="6339644" y="604321"/>
+            <a:ext cx="1610335" cy="2025115"/>
           </a:xfrm>
           <a:prstGeom prst="rect">
             <a:avLst/>
@@ -2733,7 +2943,7 @@
       </p:pic>
       <p:pic>
         <p:nvPicPr>
-          <p:cNvPr id="85" name="image6.png" descr="pictureStamp-Frame.png"/>
+          <p:cNvPr id="85" name="image4.png" descr="pictureStamp-Frame.png"/>
           <p:cNvPicPr/>
           <p:nvPr/>
         </p:nvPicPr>
@@ -2747,8 +2957,8 @@
         </p:blipFill>
         <p:spPr>
           <a:xfrm rot="322260">
-            <a:off x="4891845" y="985320"/>
-            <a:ext cx="1610334" cy="2025116"/>
+            <a:off x="4891844" y="985319"/>
+            <a:ext cx="1610335" cy="2025117"/>
           </a:xfrm>
           <a:prstGeom prst="rect">
             <a:avLst/>
@@ -2768,8 +2978,8 @@
         </p:nvSpPr>
         <p:spPr>
           <a:xfrm rot="21240000">
-            <a:off x="455724" y="3551614"/>
-            <a:ext cx="3474721" cy="1097282"/>
+            <a:off x="455724" y="3551613"/>
+            <a:ext cx="3474721" cy="1097283"/>
           </a:xfrm>
           <a:prstGeom prst="rect">
             <a:avLst/>
@@ -3031,7 +3241,7 @@
       </p:grpSpPr>
       <p:pic>
         <p:nvPicPr>
-          <p:cNvPr id="92" name="image3.png" descr="TextPageOverlay.png"/>
+          <p:cNvPr id="92" name="image1.png" descr="TextPageOverlay.png"/>
           <p:cNvPicPr/>
           <p:nvPr/>
         </p:nvPicPr>
@@ -3067,7 +3277,7 @@
         <p:spPr>
           <a:xfrm>
             <a:off x="6696633" y="0"/>
-            <a:ext cx="1882590" cy="6616700"/>
+            <a:ext cx="1882591" cy="6616700"/>
           </a:xfrm>
           <a:prstGeom prst="rect">
             <a:avLst/>
@@ -3108,7 +3318,7 @@
         <p:spPr>
           <a:xfrm>
             <a:off x="578224" y="577848"/>
-            <a:ext cx="5768789" cy="6280153"/>
+            <a:ext cx="5768789" cy="6280154"/>
           </a:xfrm>
           <a:prstGeom prst="rect">
             <a:avLst/>
@@ -3238,7 +3448,7 @@
       </p:sp>
       <p:pic>
         <p:nvPicPr>
-          <p:cNvPr id="96" name="image9.png" descr="verticalRule.png"/>
+          <p:cNvPr id="96" name="image7.png" descr="verticalRule.png"/>
           <p:cNvPicPr/>
           <p:nvPr/>
         </p:nvPicPr>
@@ -3253,7 +3463,7 @@
         <p:spPr>
           <a:xfrm>
             <a:off x="6512859" y="1562100"/>
-            <a:ext cx="152401" cy="3733800"/>
+            <a:ext cx="152402" cy="3733800"/>
           </a:xfrm>
           <a:prstGeom prst="rect">
             <a:avLst/>
@@ -3492,7 +3702,7 @@
       </p:grpSpPr>
       <p:pic>
         <p:nvPicPr>
-          <p:cNvPr id="18" name="image4.png" descr="TitlePageOverlay.png"/>
+          <p:cNvPr id="18" name="image3.png" descr="TitlePageOverlay.png"/>
           <p:cNvPicPr/>
           <p:nvPr/>
         </p:nvPicPr>
@@ -3527,8 +3737,8 @@
         </p:nvSpPr>
         <p:spPr>
           <a:xfrm>
-            <a:off x="571500" y="342900"/>
-            <a:ext cx="8001000" cy="4139267"/>
+            <a:off x="571500" y="0"/>
+            <a:ext cx="8001000" cy="4482168"/>
           </a:xfrm>
           <a:prstGeom prst="rect">
             <a:avLst/>
@@ -3586,7 +3796,7 @@
               <a:buFontTx/>
               <a:buNone/>
             </a:lvl1pPr>
-            <a:lvl2pPr marL="0" indent="457200" algn="ctr">
+            <a:lvl2pPr marL="0" indent="0" algn="ctr">
               <a:spcBef>
                 <a:spcPts val="0"/>
               </a:spcBef>
@@ -3594,7 +3804,7 @@
               <a:buFontTx/>
               <a:buNone/>
             </a:lvl2pPr>
-            <a:lvl3pPr marL="0" indent="914400" algn="ctr">
+            <a:lvl3pPr marL="0" indent="0" algn="ctr">
               <a:spcBef>
                 <a:spcPts val="0"/>
               </a:spcBef>
@@ -3602,7 +3812,7 @@
               <a:buFontTx/>
               <a:buNone/>
             </a:lvl3pPr>
-            <a:lvl4pPr marL="0" indent="1371600" algn="ctr">
+            <a:lvl4pPr marL="0" indent="0" algn="ctr">
               <a:spcBef>
                 <a:spcPts val="0"/>
               </a:spcBef>
@@ -3610,7 +3820,7 @@
               <a:buFontTx/>
               <a:buNone/>
             </a:lvl4pPr>
-            <a:lvl5pPr marL="0" indent="1828800" algn="ctr">
+            <a:lvl5pPr marL="0" indent="0" algn="ctr">
               <a:spcBef>
                 <a:spcPts val="0"/>
               </a:spcBef>
@@ -3740,7 +3950,7 @@
       </p:sp>
       <p:pic>
         <p:nvPicPr>
-          <p:cNvPr id="22" name="image5.png" descr="standardRule.png"/>
+          <p:cNvPr id="22" name="image2.png" descr="standardRule.png"/>
           <p:cNvPicPr/>
           <p:nvPr/>
         </p:nvPicPr>
@@ -3774,7 +3984,7 @@
       </p:pic>
       <p:pic>
         <p:nvPicPr>
-          <p:cNvPr id="23" name="image6.png" descr="pictureStamp-Frame.png"/>
+          <p:cNvPr id="23" name="image4.png" descr="pictureStamp-Frame.png"/>
           <p:cNvPicPr/>
           <p:nvPr/>
         </p:nvPicPr>
@@ -3789,7 +3999,7 @@
         <p:spPr>
           <a:xfrm rot="21366660">
             <a:off x="5138373" y="599839"/>
-            <a:ext cx="1610333" cy="2025115"/>
+            <a:ext cx="1610334" cy="2025115"/>
           </a:xfrm>
           <a:prstGeom prst="rect">
             <a:avLst/>
@@ -3801,7 +4011,7 @@
       </p:pic>
       <p:pic>
         <p:nvPicPr>
-          <p:cNvPr id="24" name="image6.png" descr="pictureStamp-Frame.png"/>
+          <p:cNvPr id="24" name="image4.png" descr="pictureStamp-Frame.png"/>
           <p:cNvPicPr/>
           <p:nvPr/>
         </p:nvPicPr>
@@ -3815,8 +4025,8 @@
         </p:blipFill>
         <p:spPr>
           <a:xfrm rot="21329777">
-            <a:off x="2072771" y="555386"/>
-            <a:ext cx="1610333" cy="2025115"/>
+            <a:off x="2072770" y="555386"/>
+            <a:ext cx="1610334" cy="2025115"/>
           </a:xfrm>
           <a:prstGeom prst="rect">
             <a:avLst/>
@@ -3828,7 +4038,7 @@
       </p:pic>
       <p:pic>
         <p:nvPicPr>
-          <p:cNvPr id="25" name="image6.png" descr="pictureStamp-Frame.png"/>
+          <p:cNvPr id="25" name="image4.png" descr="pictureStamp-Frame.png"/>
           <p:cNvPicPr/>
           <p:nvPr/>
         </p:nvPicPr>
@@ -3842,8 +4052,8 @@
         </p:blipFill>
         <p:spPr>
           <a:xfrm rot="151791">
-            <a:off x="3591962" y="936014"/>
-            <a:ext cx="1610333" cy="2025116"/>
+            <a:off x="3591962" y="936013"/>
+            <a:ext cx="1610334" cy="2025117"/>
           </a:xfrm>
           <a:prstGeom prst="rect">
             <a:avLst/>
@@ -3881,7 +4091,7 @@
       </p:grpSpPr>
       <p:pic>
         <p:nvPicPr>
-          <p:cNvPr id="27" name="image3.png" descr="TextPageOverlay.png"/>
+          <p:cNvPr id="27" name="image1.png" descr="TextPageOverlay.png"/>
           <p:cNvPicPr/>
           <p:nvPr/>
         </p:nvPicPr>
@@ -3958,7 +4168,7 @@
         <p:spPr>
           <a:xfrm>
             <a:off x="571500" y="3644153"/>
-            <a:ext cx="8001000" cy="2548219"/>
+            <a:ext cx="8001000" cy="3213847"/>
           </a:xfrm>
           <a:prstGeom prst="rect">
             <a:avLst/>
@@ -3976,7 +4186,7 @@
               <a:buNone/>
               <a:defRPr sz="2000"/>
             </a:lvl1pPr>
-            <a:lvl2pPr marL="0" indent="457200" algn="ctr">
+            <a:lvl2pPr marL="0" indent="0" algn="ctr">
               <a:spcBef>
                 <a:spcPts val="0"/>
               </a:spcBef>
@@ -3985,7 +4195,7 @@
               <a:buNone/>
               <a:defRPr sz="2000"/>
             </a:lvl2pPr>
-            <a:lvl3pPr marL="0" indent="914400" algn="ctr">
+            <a:lvl3pPr marL="0" indent="0" algn="ctr">
               <a:spcBef>
                 <a:spcPts val="0"/>
               </a:spcBef>
@@ -3994,7 +4204,7 @@
               <a:buNone/>
               <a:defRPr sz="2000"/>
             </a:lvl3pPr>
-            <a:lvl4pPr marL="0" indent="1371600" algn="ctr">
+            <a:lvl4pPr marL="0" indent="0" algn="ctr">
               <a:spcBef>
                 <a:spcPts val="0"/>
               </a:spcBef>
@@ -4003,7 +4213,7 @@
               <a:buNone/>
               <a:defRPr sz="2000"/>
             </a:lvl4pPr>
-            <a:lvl5pPr marL="0" indent="1828800" algn="ctr">
+            <a:lvl5pPr marL="0" indent="0" algn="ctr">
               <a:spcBef>
                 <a:spcPts val="0"/>
               </a:spcBef>
@@ -4134,7 +4344,7 @@
       </p:sp>
       <p:pic>
         <p:nvPicPr>
-          <p:cNvPr id="31" name="image5.png" descr="standardRule.png"/>
+          <p:cNvPr id="31" name="image2.png" descr="standardRule.png"/>
           <p:cNvPicPr/>
           <p:nvPr/>
         </p:nvPicPr>
@@ -4236,7 +4446,7 @@
         <p:spPr>
           <a:xfrm>
             <a:off x="571500" y="1936750"/>
-            <a:ext cx="3749041" cy="4921251"/>
+            <a:ext cx="3749041" cy="4921252"/>
           </a:xfrm>
           <a:prstGeom prst="rect">
             <a:avLst/>
@@ -4431,8 +4641,8 @@
         </p:nvSpPr>
         <p:spPr>
           <a:xfrm>
-            <a:off x="571500" y="163704"/>
-            <a:ext cx="8001000" cy="1364868"/>
+            <a:off x="571500" y="163703"/>
+            <a:ext cx="8001000" cy="1364870"/>
           </a:xfrm>
           <a:prstGeom prst="rect">
             <a:avLst/>
@@ -4469,7 +4679,7 @@
         <p:spPr>
           <a:xfrm>
             <a:off x="571500" y="1528571"/>
-            <a:ext cx="3749041" cy="1332296"/>
+            <a:ext cx="3749041" cy="1332297"/>
           </a:xfrm>
           <a:prstGeom prst="rect">
             <a:avLst/>
@@ -4488,7 +4698,7 @@
               <a:buFontTx/>
               <a:buNone/>
             </a:lvl1pPr>
-            <a:lvl2pPr marL="0" indent="457200" algn="ctr">
+            <a:lvl2pPr marL="0" indent="0" algn="ctr">
               <a:spcBef>
                 <a:spcPts val="0"/>
               </a:spcBef>
@@ -4496,7 +4706,7 @@
               <a:buFontTx/>
               <a:buNone/>
             </a:lvl2pPr>
-            <a:lvl3pPr marL="0" indent="914400" algn="ctr">
+            <a:lvl3pPr marL="0" indent="0" algn="ctr">
               <a:spcBef>
                 <a:spcPts val="0"/>
               </a:spcBef>
@@ -4504,7 +4714,7 @@
               <a:buFontTx/>
               <a:buNone/>
             </a:lvl3pPr>
-            <a:lvl4pPr marL="0" indent="1371600" algn="ctr">
+            <a:lvl4pPr marL="0" indent="0" algn="ctr">
               <a:spcBef>
                 <a:spcPts val="0"/>
               </a:spcBef>
@@ -4512,7 +4722,7 @@
               <a:buFontTx/>
               <a:buNone/>
             </a:lvl4pPr>
-            <a:lvl5pPr marL="0" indent="1828800" algn="ctr">
+            <a:lvl5pPr marL="0" indent="0" algn="ctr">
               <a:spcBef>
                 <a:spcPts val="0"/>
               </a:spcBef>
@@ -4668,7 +4878,7 @@
       </p:grpSpPr>
       <p:pic>
         <p:nvPicPr>
-          <p:cNvPr id="41" name="image3.png" descr="TextPageOverlay.png"/>
+          <p:cNvPr id="41" name="image1.png" descr="TextPageOverlay.png"/>
           <p:cNvPicPr/>
           <p:nvPr/>
         </p:nvPicPr>
@@ -4703,8 +4913,8 @@
         </p:nvSpPr>
         <p:spPr>
           <a:xfrm>
-            <a:off x="571500" y="92076"/>
-            <a:ext cx="8001000" cy="1508125"/>
+            <a:off x="571500" y="0"/>
+            <a:ext cx="8001000" cy="1692277"/>
           </a:xfrm>
           <a:prstGeom prst="rect">
             <a:avLst/>
@@ -4780,7 +4990,7 @@
       </p:grpSpPr>
       <p:pic>
         <p:nvPicPr>
-          <p:cNvPr id="45" name="image3.png" descr="TextPageOverlay.png"/>
+          <p:cNvPr id="45" name="image1.png" descr="TextPageOverlay.png"/>
           <p:cNvPicPr/>
           <p:nvPr/>
         </p:nvPicPr>
@@ -4855,7 +5065,7 @@
       </p:grpSpPr>
       <p:pic>
         <p:nvPicPr>
-          <p:cNvPr id="48" name="image3.png" descr="TextPageOverlay.png"/>
+          <p:cNvPr id="48" name="image1.png" descr="TextPageOverlay.png"/>
           <p:cNvPicPr/>
           <p:nvPr/>
         </p:nvPicPr>
@@ -4932,7 +5142,7 @@
         <p:spPr>
           <a:xfrm>
             <a:off x="4827494" y="430306"/>
-            <a:ext cx="3749041" cy="6427695"/>
+            <a:ext cx="3749042" cy="6427695"/>
           </a:xfrm>
           <a:prstGeom prst="rect">
             <a:avLst/>
@@ -5062,7 +5272,7 @@
       </p:sp>
       <p:pic>
         <p:nvPicPr>
-          <p:cNvPr id="52" name="image7.png" descr="shortRule.png"/>
+          <p:cNvPr id="52" name="image5.png" descr="shortRule.png"/>
           <p:cNvPicPr/>
           <p:nvPr/>
         </p:nvPicPr>
@@ -5077,7 +5287,7 @@
         <p:spPr>
           <a:xfrm>
             <a:off x="1222898" y="2305609"/>
-            <a:ext cx="2495551" cy="95251"/>
+            <a:ext cx="2495551" cy="95252"/>
           </a:xfrm>
           <a:prstGeom prst="rect">
             <a:avLst/>
@@ -5142,7 +5352,7 @@
       </p:grpSpPr>
       <p:pic>
         <p:nvPicPr>
-          <p:cNvPr id="2" name="image3.png" descr="TextPageOverlay.png"/>
+          <p:cNvPr id="2" name="image1.png" descr="TextPageOverlay.png"/>
           <p:cNvPicPr/>
           <p:nvPr/>
         </p:nvPicPr>
@@ -5167,225 +5377,9 @@
           </a:ln>
         </p:spPr>
       </p:pic>
-      <p:sp>
-        <p:nvSpPr>
-          <p:cNvPr id="3" name="Shape 3"/>
-          <p:cNvSpPr/>
-          <p:nvPr>
-            <p:ph type="title"/>
-          </p:nvPr>
-        </p:nvSpPr>
-        <p:spPr>
-          <a:xfrm>
-            <a:off x="571500" y="0"/>
-            <a:ext cx="8001000" cy="1692276"/>
-          </a:xfrm>
-          <a:prstGeom prst="rect">
-            <a:avLst/>
-          </a:prstGeom>
-          <a:ln w="12700">
-            <a:miter lim="400000"/>
-          </a:ln>
-          <a:extLst>
-            <a:ext uri="{C572A759-6A51-4108-AA02-DFA0A04FC94B}">
-              <ma14:wrappingTextBoxFlag xmlns:ma14="http://schemas.microsoft.com/office/mac/drawingml/2011/main" val="1"/>
-            </a:ext>
-          </a:extLst>
-        </p:spPr>
-        <p:txBody>
-          <a:bodyPr lIns="45719" rIns="45719" anchor="ctr"/>
-          <a:lstStyle/>
-          <a:p>
-            <a:pPr lvl="0">
-              <a:defRPr sz="1800">
-                <a:uFillTx/>
-              </a:defRPr>
-            </a:pPr>
-            <a:r>
-              <a:rPr sz="5400">
-                <a:uFill>
-                  <a:solidFill/>
-                </a:uFill>
-              </a:rPr>
-              <a:t>Title Text</a:t>
-            </a:r>
-          </a:p>
-        </p:txBody>
-      </p:sp>
-      <p:sp>
-        <p:nvSpPr>
-          <p:cNvPr id="4" name="Shape 4"/>
-          <p:cNvSpPr/>
-          <p:nvPr>
-            <p:ph type="body" idx="1"/>
-          </p:nvPr>
-        </p:nvSpPr>
-        <p:spPr>
-          <a:xfrm>
-            <a:off x="571500" y="1905000"/>
-            <a:ext cx="8001000" cy="4953000"/>
-          </a:xfrm>
-          <a:prstGeom prst="rect">
-            <a:avLst/>
-          </a:prstGeom>
-          <a:ln w="12700">
-            <a:miter lim="400000"/>
-          </a:ln>
-          <a:extLst>
-            <a:ext uri="{C572A759-6A51-4108-AA02-DFA0A04FC94B}">
-              <ma14:wrappingTextBoxFlag xmlns:ma14="http://schemas.microsoft.com/office/mac/drawingml/2011/main" val="1"/>
-            </a:ext>
-          </a:extLst>
-        </p:spPr>
-        <p:txBody>
-          <a:bodyPr lIns="45719" rIns="45719">
-            <a:normAutofit fontScale="100000" lnSpcReduction="0"/>
-          </a:bodyPr>
-          <a:lstStyle/>
-          <a:p>
-            <a:pPr lvl="0">
-              <a:defRPr sz="1800">
-                <a:uFillTx/>
-              </a:defRPr>
-            </a:pPr>
-            <a:r>
-              <a:rPr sz="2400">
-                <a:uFill>
-                  <a:solidFill/>
-                </a:uFill>
-              </a:rPr>
-              <a:t>Body Level One</a:t>
-            </a:r>
-            <a:endParaRPr sz="2400">
-              <a:uFill>
-                <a:solidFill/>
-              </a:uFill>
-            </a:endParaRPr>
-          </a:p>
-          <a:p>
-            <a:pPr lvl="1">
-              <a:defRPr sz="1800">
-                <a:uFillTx/>
-              </a:defRPr>
-            </a:pPr>
-            <a:r>
-              <a:rPr sz="2400">
-                <a:uFill>
-                  <a:solidFill/>
-                </a:uFill>
-              </a:rPr>
-              <a:t>Body Level Two</a:t>
-            </a:r>
-            <a:endParaRPr sz="2400">
-              <a:uFill>
-                <a:solidFill/>
-              </a:uFill>
-            </a:endParaRPr>
-          </a:p>
-          <a:p>
-            <a:pPr lvl="2">
-              <a:defRPr sz="1800">
-                <a:uFillTx/>
-              </a:defRPr>
-            </a:pPr>
-            <a:r>
-              <a:rPr sz="2400">
-                <a:uFill>
-                  <a:solidFill/>
-                </a:uFill>
-              </a:rPr>
-              <a:t>Body Level Three</a:t>
-            </a:r>
-            <a:endParaRPr sz="2400">
-              <a:uFill>
-                <a:solidFill/>
-              </a:uFill>
-            </a:endParaRPr>
-          </a:p>
-          <a:p>
-            <a:pPr lvl="3">
-              <a:defRPr sz="1800">
-                <a:uFillTx/>
-              </a:defRPr>
-            </a:pPr>
-            <a:r>
-              <a:rPr sz="2400">
-                <a:uFill>
-                  <a:solidFill/>
-                </a:uFill>
-              </a:rPr>
-              <a:t>Body Level Four</a:t>
-            </a:r>
-            <a:endParaRPr sz="2400">
-              <a:uFill>
-                <a:solidFill/>
-              </a:uFill>
-            </a:endParaRPr>
-          </a:p>
-          <a:p>
-            <a:pPr lvl="4">
-              <a:defRPr sz="1800">
-                <a:uFillTx/>
-              </a:defRPr>
-            </a:pPr>
-            <a:r>
-              <a:rPr sz="2400">
-                <a:uFill>
-                  <a:solidFill/>
-                </a:uFill>
-              </a:rPr>
-              <a:t>Body Level Five</a:t>
-            </a:r>
-          </a:p>
-        </p:txBody>
-      </p:sp>
-      <p:sp>
-        <p:nvSpPr>
-          <p:cNvPr id="5" name="Shape 5"/>
-          <p:cNvSpPr/>
-          <p:nvPr>
-            <p:ph type="sldNum" sz="quarter" idx="2"/>
-          </p:nvPr>
-        </p:nvSpPr>
-        <p:spPr>
-          <a:xfrm>
-            <a:off x="4046220" y="6206695"/>
-            <a:ext cx="1051561" cy="269241"/>
-          </a:xfrm>
-          <a:prstGeom prst="rect">
-            <a:avLst/>
-          </a:prstGeom>
-          <a:ln w="12700">
-            <a:miter lim="400000"/>
-          </a:ln>
-        </p:spPr>
-        <p:txBody>
-          <a:bodyPr lIns="45719" rIns="45719" anchor="ctr">
-            <a:spAutoFit/>
-          </a:bodyPr>
-          <a:lstStyle>
-            <a:lvl1pPr algn="ctr">
-              <a:defRPr sz="1200">
-                <a:solidFill>
-                  <a:srgbClr val="82682C"/>
-                </a:solidFill>
-                <a:uFill>
-                  <a:solidFill>
-                    <a:srgbClr val="82682C"/>
-                  </a:solidFill>
-                </a:uFill>
-              </a:defRPr>
-            </a:lvl1pPr>
-          </a:lstStyle>
-          <a:p>
-            <a:pPr lvl="0"/>
-            <a:fld id="{86CB4B4D-7CA3-9044-876B-883B54F8677D}" type="slidenum"/>
-          </a:p>
-        </p:txBody>
-      </p:sp>
       <p:pic>
         <p:nvPicPr>
-          <p:cNvPr id="6" name="image5.png" descr="standardRule.png"/>
+          <p:cNvPr id="3" name="image2.png" descr="standardRule.png"/>
           <p:cNvPicPr/>
           <p:nvPr/>
         </p:nvPicPr>
@@ -5417,6 +5411,222 @@
           </a:effectLst>
         </p:spPr>
       </p:pic>
+      <p:sp>
+        <p:nvSpPr>
+          <p:cNvPr id="4" name="Shape 4"/>
+          <p:cNvSpPr/>
+          <p:nvPr>
+            <p:ph type="title"/>
+          </p:nvPr>
+        </p:nvSpPr>
+        <p:spPr>
+          <a:xfrm>
+            <a:off x="571500" y="0"/>
+            <a:ext cx="8001000" cy="1692276"/>
+          </a:xfrm>
+          <a:prstGeom prst="rect">
+            <a:avLst/>
+          </a:prstGeom>
+          <a:ln w="12700">
+            <a:miter lim="400000"/>
+          </a:ln>
+          <a:extLst>
+            <a:ext uri="{C572A759-6A51-4108-AA02-DFA0A04FC94B}">
+              <ma14:wrappingTextBoxFlag xmlns:ma14="http://schemas.microsoft.com/office/mac/drawingml/2011/main" val="1"/>
+            </a:ext>
+          </a:extLst>
+        </p:spPr>
+        <p:txBody>
+          <a:bodyPr lIns="45718" tIns="45718" rIns="45718" bIns="45718" anchor="ctr"/>
+          <a:lstStyle/>
+          <a:p>
+            <a:pPr lvl="0">
+              <a:defRPr sz="1800">
+                <a:uFillTx/>
+              </a:defRPr>
+            </a:pPr>
+            <a:r>
+              <a:rPr sz="5400">
+                <a:uFill>
+                  <a:solidFill/>
+                </a:uFill>
+              </a:rPr>
+              <a:t>Title Text</a:t>
+            </a:r>
+          </a:p>
+        </p:txBody>
+      </p:sp>
+      <p:sp>
+        <p:nvSpPr>
+          <p:cNvPr id="5" name="Shape 5"/>
+          <p:cNvSpPr/>
+          <p:nvPr>
+            <p:ph type="body" idx="1"/>
+          </p:nvPr>
+        </p:nvSpPr>
+        <p:spPr>
+          <a:xfrm>
+            <a:off x="571500" y="1905000"/>
+            <a:ext cx="8001000" cy="4953000"/>
+          </a:xfrm>
+          <a:prstGeom prst="rect">
+            <a:avLst/>
+          </a:prstGeom>
+          <a:ln w="12700">
+            <a:miter lim="400000"/>
+          </a:ln>
+          <a:extLst>
+            <a:ext uri="{C572A759-6A51-4108-AA02-DFA0A04FC94B}">
+              <ma14:wrappingTextBoxFlag xmlns:ma14="http://schemas.microsoft.com/office/mac/drawingml/2011/main" val="1"/>
+            </a:ext>
+          </a:extLst>
+        </p:spPr>
+        <p:txBody>
+          <a:bodyPr lIns="45718" tIns="45718" rIns="45718" bIns="45718">
+            <a:normAutofit fontScale="100000" lnSpcReduction="0"/>
+          </a:bodyPr>
+          <a:lstStyle/>
+          <a:p>
+            <a:pPr lvl="0">
+              <a:defRPr sz="1800">
+                <a:uFillTx/>
+              </a:defRPr>
+            </a:pPr>
+            <a:r>
+              <a:rPr sz="2400">
+                <a:uFill>
+                  <a:solidFill/>
+                </a:uFill>
+              </a:rPr>
+              <a:t>Body Level One</a:t>
+            </a:r>
+            <a:endParaRPr sz="2400">
+              <a:uFill>
+                <a:solidFill/>
+              </a:uFill>
+            </a:endParaRPr>
+          </a:p>
+          <a:p>
+            <a:pPr lvl="1">
+              <a:defRPr sz="1800">
+                <a:uFillTx/>
+              </a:defRPr>
+            </a:pPr>
+            <a:r>
+              <a:rPr sz="2400">
+                <a:uFill>
+                  <a:solidFill/>
+                </a:uFill>
+              </a:rPr>
+              <a:t>Body Level Two</a:t>
+            </a:r>
+            <a:endParaRPr sz="2400">
+              <a:uFill>
+                <a:solidFill/>
+              </a:uFill>
+            </a:endParaRPr>
+          </a:p>
+          <a:p>
+            <a:pPr lvl="2">
+              <a:defRPr sz="1800">
+                <a:uFillTx/>
+              </a:defRPr>
+            </a:pPr>
+            <a:r>
+              <a:rPr sz="2400">
+                <a:uFill>
+                  <a:solidFill/>
+                </a:uFill>
+              </a:rPr>
+              <a:t>Body Level Three</a:t>
+            </a:r>
+            <a:endParaRPr sz="2400">
+              <a:uFill>
+                <a:solidFill/>
+              </a:uFill>
+            </a:endParaRPr>
+          </a:p>
+          <a:p>
+            <a:pPr lvl="3">
+              <a:defRPr sz="1800">
+                <a:uFillTx/>
+              </a:defRPr>
+            </a:pPr>
+            <a:r>
+              <a:rPr sz="2400">
+                <a:uFill>
+                  <a:solidFill/>
+                </a:uFill>
+              </a:rPr>
+              <a:t>Body Level Four</a:t>
+            </a:r>
+            <a:endParaRPr sz="2400">
+              <a:uFill>
+                <a:solidFill/>
+              </a:uFill>
+            </a:endParaRPr>
+          </a:p>
+          <a:p>
+            <a:pPr lvl="4">
+              <a:defRPr sz="1800">
+                <a:uFillTx/>
+              </a:defRPr>
+            </a:pPr>
+            <a:r>
+              <a:rPr sz="2400">
+                <a:uFill>
+                  <a:solidFill/>
+                </a:uFill>
+              </a:rPr>
+              <a:t>Body Level Five</a:t>
+            </a:r>
+          </a:p>
+        </p:txBody>
+      </p:sp>
+      <p:sp>
+        <p:nvSpPr>
+          <p:cNvPr id="6" name="Shape 6"/>
+          <p:cNvSpPr/>
+          <p:nvPr>
+            <p:ph type="sldNum" sz="quarter" idx="2"/>
+          </p:nvPr>
+        </p:nvSpPr>
+        <p:spPr>
+          <a:xfrm>
+            <a:off x="4046220" y="6206695"/>
+            <a:ext cx="1051562" cy="269239"/>
+          </a:xfrm>
+          <a:prstGeom prst="rect">
+            <a:avLst/>
+          </a:prstGeom>
+          <a:ln w="12700">
+            <a:miter lim="400000"/>
+          </a:ln>
+        </p:spPr>
+        <p:txBody>
+          <a:bodyPr lIns="45718" tIns="45718" rIns="45718" bIns="45718" anchor="ctr">
+            <a:spAutoFit/>
+          </a:bodyPr>
+          <a:lstStyle>
+            <a:lvl1pPr algn="ctr">
+              <a:defRPr sz="1200">
+                <a:solidFill>
+                  <a:srgbClr val="82682C"/>
+                </a:solidFill>
+                <a:uFill>
+                  <a:solidFill>
+                    <a:srgbClr val="82682C"/>
+                  </a:solidFill>
+                </a:uFill>
+              </a:defRPr>
+            </a:lvl1pPr>
+          </a:lstStyle>
+          <a:p>
+            <a:pPr lvl="0"/>
+            <a:fld id="{86CB4B4D-7CA3-9044-876B-883B54F8677D}" type="slidenum"/>
+          </a:p>
+        </p:txBody>
+      </p:sp>
     </p:spTree>
   </p:cSld>
   <p:clrMap bg1="lt1" tx1="dk1" bg2="lt2" tx2="dk2" accent1="accent1" accent2="accent2" accent3="accent3" accent4="accent4" accent5="accent5" accent6="accent6" hlink="hlink" folHlink="folHlink"/>
@@ -5446,9 +5656,9 @@
           <a:uFill>
             <a:solidFill/>
           </a:uFill>
-          <a:latin typeface="+mn-lt"/>
-          <a:ea typeface="+mn-ea"/>
-          <a:cs typeface="+mn-cs"/>
+          <a:latin typeface="Calisto MT"/>
+          <a:ea typeface="Calisto MT"/>
+          <a:cs typeface="Calisto MT"/>
           <a:sym typeface="Calisto MT"/>
         </a:defRPr>
       </a:lvl1pPr>
@@ -5457,9 +5667,9 @@
           <a:uFill>
             <a:solidFill/>
           </a:uFill>
-          <a:latin typeface="+mn-lt"/>
-          <a:ea typeface="+mn-ea"/>
-          <a:cs typeface="+mn-cs"/>
+          <a:latin typeface="Calisto MT"/>
+          <a:ea typeface="Calisto MT"/>
+          <a:cs typeface="Calisto MT"/>
           <a:sym typeface="Calisto MT"/>
         </a:defRPr>
       </a:lvl2pPr>
@@ -5468,9 +5678,9 @@
           <a:uFill>
             <a:solidFill/>
           </a:uFill>
-          <a:latin typeface="+mn-lt"/>
-          <a:ea typeface="+mn-ea"/>
-          <a:cs typeface="+mn-cs"/>
+          <a:latin typeface="Calisto MT"/>
+          <a:ea typeface="Calisto MT"/>
+          <a:cs typeface="Calisto MT"/>
           <a:sym typeface="Calisto MT"/>
         </a:defRPr>
       </a:lvl3pPr>
@@ -5479,9 +5689,9 @@
           <a:uFill>
             <a:solidFill/>
           </a:uFill>
-          <a:latin typeface="+mn-lt"/>
-          <a:ea typeface="+mn-ea"/>
-          <a:cs typeface="+mn-cs"/>
+          <a:latin typeface="Calisto MT"/>
+          <a:ea typeface="Calisto MT"/>
+          <a:cs typeface="Calisto MT"/>
           <a:sym typeface="Calisto MT"/>
         </a:defRPr>
       </a:lvl4pPr>
@@ -5490,9 +5700,9 @@
           <a:uFill>
             <a:solidFill/>
           </a:uFill>
-          <a:latin typeface="+mn-lt"/>
-          <a:ea typeface="+mn-ea"/>
-          <a:cs typeface="+mn-cs"/>
+          <a:latin typeface="Calisto MT"/>
+          <a:ea typeface="Calisto MT"/>
+          <a:cs typeface="Calisto MT"/>
           <a:sym typeface="Calisto MT"/>
         </a:defRPr>
       </a:lvl5pPr>
@@ -5501,9 +5711,9 @@
           <a:uFill>
             <a:solidFill/>
           </a:uFill>
-          <a:latin typeface="+mn-lt"/>
-          <a:ea typeface="+mn-ea"/>
-          <a:cs typeface="+mn-cs"/>
+          <a:latin typeface="Calisto MT"/>
+          <a:ea typeface="Calisto MT"/>
+          <a:cs typeface="Calisto MT"/>
           <a:sym typeface="Calisto MT"/>
         </a:defRPr>
       </a:lvl6pPr>
@@ -5512,9 +5722,9 @@
           <a:uFill>
             <a:solidFill/>
           </a:uFill>
-          <a:latin typeface="+mn-lt"/>
-          <a:ea typeface="+mn-ea"/>
-          <a:cs typeface="+mn-cs"/>
+          <a:latin typeface="Calisto MT"/>
+          <a:ea typeface="Calisto MT"/>
+          <a:cs typeface="Calisto MT"/>
           <a:sym typeface="Calisto MT"/>
         </a:defRPr>
       </a:lvl7pPr>
@@ -5523,9 +5733,9 @@
           <a:uFill>
             <a:solidFill/>
           </a:uFill>
-          <a:latin typeface="+mn-lt"/>
-          <a:ea typeface="+mn-ea"/>
-          <a:cs typeface="+mn-cs"/>
+          <a:latin typeface="Calisto MT"/>
+          <a:ea typeface="Calisto MT"/>
+          <a:cs typeface="Calisto MT"/>
           <a:sym typeface="Calisto MT"/>
         </a:defRPr>
       </a:lvl8pPr>
@@ -5534,9 +5744,9 @@
           <a:uFill>
             <a:solidFill/>
           </a:uFill>
-          <a:latin typeface="+mn-lt"/>
-          <a:ea typeface="+mn-ea"/>
-          <a:cs typeface="+mn-cs"/>
+          <a:latin typeface="Calisto MT"/>
+          <a:ea typeface="Calisto MT"/>
+          <a:cs typeface="Calisto MT"/>
           <a:sym typeface="Calisto MT"/>
         </a:defRPr>
       </a:lvl9pPr>
@@ -5553,13 +5763,13 @@
           <a:uFill>
             <a:solidFill/>
           </a:uFill>
-          <a:latin typeface="+mn-lt"/>
-          <a:ea typeface="+mn-ea"/>
-          <a:cs typeface="+mn-cs"/>
+          <a:latin typeface="Calisto MT"/>
+          <a:ea typeface="Calisto MT"/>
+          <a:cs typeface="Calisto MT"/>
           <a:sym typeface="Calisto MT"/>
         </a:defRPr>
       </a:lvl1pPr>
-      <a:lvl2pPr marL="955963" indent="-498763">
+      <a:lvl2pPr marL="955962" indent="-498763">
         <a:spcBef>
           <a:spcPts val="2000"/>
         </a:spcBef>
@@ -5570,13 +5780,13 @@
           <a:uFill>
             <a:solidFill/>
           </a:uFill>
-          <a:latin typeface="+mn-lt"/>
-          <a:ea typeface="+mn-ea"/>
-          <a:cs typeface="+mn-cs"/>
+          <a:latin typeface="Calisto MT"/>
+          <a:ea typeface="Calisto MT"/>
+          <a:cs typeface="Calisto MT"/>
           <a:sym typeface="Calisto MT"/>
         </a:defRPr>
       </a:lvl2pPr>
-      <a:lvl3pPr marL="1463039" indent="-548639">
+      <a:lvl3pPr marL="1463038" indent="-548638">
         <a:spcBef>
           <a:spcPts val="2000"/>
         </a:spcBef>
@@ -5587,9 +5797,9 @@
           <a:uFill>
             <a:solidFill/>
           </a:uFill>
-          <a:latin typeface="+mn-lt"/>
-          <a:ea typeface="+mn-ea"/>
-          <a:cs typeface="+mn-cs"/>
+          <a:latin typeface="Calisto MT"/>
+          <a:ea typeface="Calisto MT"/>
+          <a:cs typeface="Calisto MT"/>
           <a:sym typeface="Calisto MT"/>
         </a:defRPr>
       </a:lvl3pPr>
@@ -5604,9 +5814,9 @@
           <a:uFill>
             <a:solidFill/>
           </a:uFill>
-          <a:latin typeface="+mn-lt"/>
-          <a:ea typeface="+mn-ea"/>
-          <a:cs typeface="+mn-cs"/>
+          <a:latin typeface="Calisto MT"/>
+          <a:ea typeface="Calisto MT"/>
+          <a:cs typeface="Calisto MT"/>
           <a:sym typeface="Calisto MT"/>
         </a:defRPr>
       </a:lvl4pPr>
@@ -5621,13 +5831,13 @@
           <a:uFill>
             <a:solidFill/>
           </a:uFill>
-          <a:latin typeface="+mn-lt"/>
-          <a:ea typeface="+mn-ea"/>
-          <a:cs typeface="+mn-cs"/>
+          <a:latin typeface="Calisto MT"/>
+          <a:ea typeface="Calisto MT"/>
+          <a:cs typeface="Calisto MT"/>
           <a:sym typeface="Calisto MT"/>
         </a:defRPr>
       </a:lvl5pPr>
-      <a:lvl6pPr marL="2897187" indent="-615950">
+      <a:lvl6pPr marL="2897186" indent="-615950">
         <a:spcBef>
           <a:spcPts val="2000"/>
         </a:spcBef>
@@ -5638,9 +5848,9 @@
           <a:uFill>
             <a:solidFill/>
           </a:uFill>
-          <a:latin typeface="+mn-lt"/>
-          <a:ea typeface="+mn-ea"/>
-          <a:cs typeface="+mn-cs"/>
+          <a:latin typeface="Calisto MT"/>
+          <a:ea typeface="Calisto MT"/>
+          <a:cs typeface="Calisto MT"/>
           <a:sym typeface="Calisto MT"/>
         </a:defRPr>
       </a:lvl6pPr>
@@ -5655,9 +5865,9 @@
           <a:uFill>
             <a:solidFill/>
           </a:uFill>
-          <a:latin typeface="+mn-lt"/>
-          <a:ea typeface="+mn-ea"/>
-          <a:cs typeface="+mn-cs"/>
+          <a:latin typeface="Calisto MT"/>
+          <a:ea typeface="Calisto MT"/>
+          <a:cs typeface="Calisto MT"/>
           <a:sym typeface="Calisto MT"/>
         </a:defRPr>
       </a:lvl7pPr>
@@ -5672,9 +5882,9 @@
           <a:uFill>
             <a:solidFill/>
           </a:uFill>
-          <a:latin typeface="+mn-lt"/>
-          <a:ea typeface="+mn-ea"/>
-          <a:cs typeface="+mn-cs"/>
+          <a:latin typeface="Calisto MT"/>
+          <a:ea typeface="Calisto MT"/>
+          <a:cs typeface="Calisto MT"/>
           <a:sym typeface="Calisto MT"/>
         </a:defRPr>
       </a:lvl8pPr>
@@ -5689,9 +5899,9 @@
           <a:uFill>
             <a:solidFill/>
           </a:uFill>
-          <a:latin typeface="+mn-lt"/>
-          <a:ea typeface="+mn-ea"/>
-          <a:cs typeface="+mn-cs"/>
+          <a:latin typeface="Calisto MT"/>
+          <a:ea typeface="Calisto MT"/>
+          <a:cs typeface="Calisto MT"/>
           <a:sym typeface="Calisto MT"/>
         </a:defRPr>
       </a:lvl9pPr>
@@ -5713,7 +5923,7 @@
           <a:sym typeface="Calisto MT"/>
         </a:defRPr>
       </a:lvl1pPr>
-      <a:lvl2pPr indent="457200" algn="ctr">
+      <a:lvl2pPr algn="ctr">
         <a:defRPr sz="1200">
           <a:solidFill>
             <a:schemeClr val="tx1"/>
@@ -5729,7 +5939,7 @@
           <a:sym typeface="Calisto MT"/>
         </a:defRPr>
       </a:lvl2pPr>
-      <a:lvl3pPr indent="914400" algn="ctr">
+      <a:lvl3pPr algn="ctr">
         <a:defRPr sz="1200">
           <a:solidFill>
             <a:schemeClr val="tx1"/>
@@ -5745,7 +5955,7 @@
           <a:sym typeface="Calisto MT"/>
         </a:defRPr>
       </a:lvl3pPr>
-      <a:lvl4pPr indent="1371600" algn="ctr">
+      <a:lvl4pPr algn="ctr">
         <a:defRPr sz="1200">
           <a:solidFill>
             <a:schemeClr val="tx1"/>
@@ -5761,7 +5971,7 @@
           <a:sym typeface="Calisto MT"/>
         </a:defRPr>
       </a:lvl4pPr>
-      <a:lvl5pPr indent="1828800" algn="ctr">
+      <a:lvl5pPr algn="ctr">
         <a:defRPr sz="1200">
           <a:solidFill>
             <a:schemeClr val="tx1"/>
@@ -5777,7 +5987,7 @@
           <a:sym typeface="Calisto MT"/>
         </a:defRPr>
       </a:lvl5pPr>
-      <a:lvl6pPr indent="2286000" algn="ctr">
+      <a:lvl6pPr algn="ctr">
         <a:defRPr sz="1200">
           <a:solidFill>
             <a:schemeClr val="tx1"/>
@@ -5793,7 +6003,7 @@
           <a:sym typeface="Calisto MT"/>
         </a:defRPr>
       </a:lvl6pPr>
-      <a:lvl7pPr indent="2743200" algn="ctr">
+      <a:lvl7pPr algn="ctr">
         <a:defRPr sz="1200">
           <a:solidFill>
             <a:schemeClr val="tx1"/>
@@ -5809,7 +6019,7 @@
           <a:sym typeface="Calisto MT"/>
         </a:defRPr>
       </a:lvl7pPr>
-      <a:lvl8pPr indent="3200400" algn="ctr">
+      <a:lvl8pPr algn="ctr">
         <a:defRPr sz="1200">
           <a:solidFill>
             <a:schemeClr val="tx1"/>
@@ -5825,7 +6035,7 @@
           <a:sym typeface="Calisto MT"/>
         </a:defRPr>
       </a:lvl8pPr>
-      <a:lvl9pPr indent="3657600" algn="ctr">
+      <a:lvl9pPr algn="ctr">
         <a:defRPr sz="1200">
           <a:solidFill>
             <a:schemeClr val="tx1"/>
@@ -5885,8 +6095,8 @@
             <a:normAutofit fontScale="100000" lnSpcReduction="0"/>
           </a:bodyPr>
           <a:lstStyle>
-            <a:lvl1pPr defTabSz="859536">
-              <a:defRPr sz="5076"/>
+            <a:lvl1pPr defTabSz="842345">
+              <a:defRPr sz="4900"/>
             </a:lvl1pPr>
           </a:lstStyle>
           <a:p>
@@ -5896,7 +6106,7 @@
               </a:defRPr>
             </a:pPr>
             <a:r>
-              <a:rPr sz="5076">
+              <a:rPr sz="4900">
                 <a:uFill>
                   <a:solidFill/>
                 </a:uFill>
@@ -5916,8 +6126,8 @@
         </p:nvSpPr>
         <p:spPr>
           <a:xfrm>
-            <a:off x="571499" y="2131243"/>
-            <a:ext cx="8001001" cy="4114801"/>
+            <a:off x="571499" y="2131242"/>
+            <a:ext cx="8001001" cy="4114803"/>
           </a:xfrm>
           <a:prstGeom prst="rect">
             <a:avLst/>
@@ -5932,14 +6142,9 @@
                 <a:uFillTx/>
               </a:defRPr>
             </a:pPr>
-            <a:endParaRPr sz="2400">
-              <a:uFill>
-                <a:solidFill/>
-              </a:uFill>
-            </a:endParaRPr>
-          </a:p>
-          <a:p>
-            <a:pPr lvl="0">
+          </a:p>
+          <a:p>
+            <a:pPr lvl="0" marL="711200" indent="-711200">
               <a:defRPr sz="1800">
                 <a:uFillTx/>
               </a:defRPr>
@@ -5953,10 +6158,10 @@
                 <a:solidFill>
                   <a:srgbClr val="BA5A5A"/>
                 </a:solidFill>
-                <a:latin typeface="Times Roman"/>
-                <a:ea typeface="Times Roman"/>
-                <a:cs typeface="Times Roman"/>
-                <a:sym typeface="Times Roman"/>
+                <a:latin typeface="Times"/>
+                <a:ea typeface="Times"/>
+                <a:cs typeface="Times"/>
+                <a:sym typeface="Times"/>
               </a:rPr>
               <a:t>git@github.com:NazneenRupawalla/Android-Bootcamp-V1.1.git</a:t>
             </a:r>
@@ -5991,7 +6196,7 @@
       </p:grpSpPr>
       <p:sp>
         <p:nvSpPr>
-          <p:cNvPr id="157" name="Shape 157"/>
+          <p:cNvPr id="131" name="Shape 131"/>
           <p:cNvSpPr/>
           <p:nvPr>
             <p:ph type="title"/>
@@ -6023,7 +6228,7 @@
                   <a:solidFill/>
                 </a:uFill>
               </a:rPr>
-              <a:t>Feedback Time</a:t>
+              <a:t>Thank You !</a:t>
             </a:r>
           </a:p>
         </p:txBody>
@@ -6056,7 +6261,7 @@
       </p:grpSpPr>
       <p:sp>
         <p:nvSpPr>
-          <p:cNvPr id="159" name="Shape 159"/>
+          <p:cNvPr id="133" name="Shape 133"/>
           <p:cNvSpPr/>
           <p:nvPr>
             <p:ph type="title"/>
@@ -6064,7 +6269,7 @@
         </p:nvSpPr>
         <p:spPr>
           <a:xfrm>
-            <a:off x="571500" y="2784157"/>
+            <a:off x="571500" y="274638"/>
             <a:ext cx="8001000" cy="1143001"/>
           </a:xfrm>
           <a:prstGeom prst="rect">
@@ -6088,71 +6293,6 @@
                   <a:solidFill/>
                 </a:uFill>
               </a:rPr>
-              <a:t>Thank You !</a:t>
-            </a:r>
-          </a:p>
-        </p:txBody>
-      </p:sp>
-    </p:spTree>
-  </p:cSld>
-  <p:clrMapOvr>
-    <a:masterClrMapping/>
-  </p:clrMapOvr>
-  <p:transition spd="med" advClick="1"/>
-</p:sld>
-</file>
-
-<file path=ppt/slides/slide12.xml><?xml version="1.0" encoding="utf-8"?>
-<p:sld xmlns:a="http://schemas.openxmlformats.org/drawingml/2006/main" xmlns:r="http://schemas.openxmlformats.org/officeDocument/2006/relationships" xmlns:p="http://schemas.openxmlformats.org/presentationml/2006/main" showMasterSp="1" showMasterPhAnim="1">
-  <p:cSld>
-    <p:spTree>
-      <p:nvGrpSpPr>
-        <p:cNvPr id="1" name=""/>
-        <p:cNvGrpSpPr/>
-        <p:nvPr/>
-      </p:nvGrpSpPr>
-      <p:grpSpPr>
-        <a:xfrm>
-          <a:off x="0" y="0"/>
-          <a:ext cx="0" cy="0"/>
-          <a:chOff x="0" y="0"/>
-          <a:chExt cx="0" cy="0"/>
-        </a:xfrm>
-      </p:grpSpPr>
-      <p:sp>
-        <p:nvSpPr>
-          <p:cNvPr id="161" name="Shape 161"/>
-          <p:cNvSpPr/>
-          <p:nvPr>
-            <p:ph type="title"/>
-          </p:nvPr>
-        </p:nvSpPr>
-        <p:spPr>
-          <a:xfrm>
-            <a:off x="571500" y="274638"/>
-            <a:ext cx="8001000" cy="1143001"/>
-          </a:xfrm>
-          <a:prstGeom prst="rect">
-            <a:avLst/>
-          </a:prstGeom>
-        </p:spPr>
-        <p:txBody>
-          <a:bodyPr lIns="0" tIns="0" rIns="0" bIns="0">
-            <a:normAutofit fontScale="100000" lnSpcReduction="0"/>
-          </a:bodyPr>
-          <a:lstStyle/>
-          <a:p>
-            <a:pPr lvl="0">
-              <a:defRPr sz="1800">
-                <a:uFillTx/>
-              </a:defRPr>
-            </a:pPr>
-            <a:r>
-              <a:rPr sz="5400">
-                <a:uFill>
-                  <a:solidFill/>
-                </a:uFill>
-              </a:rPr>
               <a:t>References</a:t>
             </a:r>
           </a:p>
@@ -6160,7 +6300,7 @@
       </p:sp>
       <p:sp>
         <p:nvSpPr>
-          <p:cNvPr id="162" name="Shape 162"/>
+          <p:cNvPr id="134" name="Shape 134"/>
           <p:cNvSpPr/>
           <p:nvPr>
             <p:ph type="body" idx="1"/>
@@ -6179,210 +6319,129 @@
           <a:bodyPr/>
           <a:lstStyle/>
           <a:p>
-            <a:pPr lvl="0">
+            <a:pPr lvl="0" marL="558800" indent="-558800">
               <a:lnSpc>
                 <a:spcPct val="80000"/>
               </a:lnSpc>
-              <a:defRPr sz="1800">
-                <a:uFillTx/>
-              </a:defRPr>
-            </a:pPr>
-            <a:r>
-              <a:rPr sz="2200" u="sng">
-                <a:solidFill>
-                  <a:srgbClr val="99350B"/>
-                </a:solidFill>
-                <a:uFill>
-                  <a:solidFill>
-                    <a:srgbClr val="99350B"/>
-                  </a:solidFill>
-                </a:uFill>
+              <a:buClr>
+                <a:srgbClr val="99350B"/>
+              </a:buClr>
+              <a:defRPr sz="1800">
+                <a:uFillTx/>
+              </a:defRPr>
+            </a:pPr>
+            <a:r>
+              <a:rPr sz="2200">
                 <a:hlinkClick r:id="rId2" invalidUrl="" action="" tgtFrame="" tooltip="" history="1" highlightClick="0" endSnd="0"/>
               </a:rPr>
               <a:t>http://developer.android.com/guide/components/</a:t>
             </a:r>
             <a:r>
-              <a:rPr sz="2200" u="sng">
-                <a:solidFill>
-                  <a:srgbClr val="99350B"/>
-                </a:solidFill>
-                <a:uFill>
-                  <a:solidFill>
-                    <a:srgbClr val="99350B"/>
-                  </a:solidFill>
-                </a:uFill>
+              <a:rPr sz="2200">
                 <a:hlinkClick r:id="rId2" invalidUrl="" action="" tgtFrame="" tooltip="" history="1" highlightClick="0" endSnd="0"/>
               </a:rPr>
               <a:t>fragments.html</a:t>
             </a:r>
-            <a:endParaRPr sz="2200">
-              <a:uFill>
-                <a:solidFill/>
-              </a:uFill>
-            </a:endParaRPr>
-          </a:p>
-          <a:p>
-            <a:pPr lvl="0">
+            <a:endParaRPr sz="2200"/>
+          </a:p>
+          <a:p>
+            <a:pPr lvl="0" marL="558800" indent="-558800">
               <a:lnSpc>
                 <a:spcPct val="80000"/>
               </a:lnSpc>
-              <a:defRPr sz="1800">
-                <a:uFillTx/>
-              </a:defRPr>
-            </a:pPr>
-            <a:r>
-              <a:rPr sz="2200" u="sng">
-                <a:solidFill>
-                  <a:srgbClr val="99350B"/>
-                </a:solidFill>
-                <a:uFill>
-                  <a:solidFill>
-                    <a:srgbClr val="99350B"/>
-                  </a:solidFill>
-                </a:uFill>
+              <a:buClr>
+                <a:srgbClr val="99350B"/>
+              </a:buClr>
+              <a:defRPr sz="1800">
+                <a:uFillTx/>
+              </a:defRPr>
+            </a:pPr>
+            <a:r>
+              <a:rPr sz="2200">
                 <a:hlinkClick r:id="rId3" invalidUrl="" action="" tgtFrame="" tooltip="" history="1" highlightClick="0" endSnd="0"/>
               </a:rPr>
               <a:t>https://developer.android.com/training/basics/fragments/</a:t>
             </a:r>
             <a:r>
-              <a:rPr sz="2200" u="sng">
-                <a:solidFill>
-                  <a:srgbClr val="99350B"/>
-                </a:solidFill>
-                <a:uFill>
-                  <a:solidFill>
-                    <a:srgbClr val="99350B"/>
-                  </a:solidFill>
-                </a:uFill>
+              <a:rPr sz="2200">
                 <a:hlinkClick r:id="rId3" invalidUrl="" action="" tgtFrame="" tooltip="" history="1" highlightClick="0" endSnd="0"/>
               </a:rPr>
               <a:t>index.html</a:t>
             </a:r>
-            <a:endParaRPr sz="2200">
-              <a:uFill>
-                <a:solidFill/>
-              </a:uFill>
-            </a:endParaRPr>
-          </a:p>
-          <a:p>
-            <a:pPr lvl="0">
+            <a:endParaRPr sz="2200"/>
+          </a:p>
+          <a:p>
+            <a:pPr lvl="0" marL="558800" indent="-558800">
               <a:lnSpc>
                 <a:spcPct val="80000"/>
               </a:lnSpc>
-              <a:defRPr sz="1800">
-                <a:uFillTx/>
-              </a:defRPr>
-            </a:pPr>
-            <a:r>
-              <a:rPr sz="2200" u="sng">
-                <a:solidFill>
-                  <a:srgbClr val="99350B"/>
-                </a:solidFill>
-                <a:uFill>
-                  <a:solidFill>
-                    <a:srgbClr val="99350B"/>
-                  </a:solidFill>
-                </a:uFill>
+              <a:buClr>
+                <a:srgbClr val="99350B"/>
+              </a:buClr>
+              <a:defRPr sz="1800">
+                <a:uFillTx/>
+              </a:defRPr>
+            </a:pPr>
+            <a:r>
+              <a:rPr sz="2200">
                 <a:hlinkClick r:id="rId4" invalidUrl="" action="" tgtFrame="" tooltip="" history="1" highlightClick="0" endSnd="0"/>
               </a:rPr>
               <a:t>http://www.vogella.com/tutorials/AndroidFragments/</a:t>
             </a:r>
             <a:r>
-              <a:rPr sz="2200" u="sng">
-                <a:solidFill>
-                  <a:srgbClr val="99350B"/>
-                </a:solidFill>
-                <a:uFill>
-                  <a:solidFill>
-                    <a:srgbClr val="99350B"/>
-                  </a:solidFill>
-                </a:uFill>
+              <a:rPr sz="2200">
                 <a:hlinkClick r:id="rId4" invalidUrl="" action="" tgtFrame="" tooltip="" history="1" highlightClick="0" endSnd="0"/>
               </a:rPr>
               <a:t>article.html</a:t>
             </a:r>
-            <a:endParaRPr sz="2200">
-              <a:uFill>
-                <a:solidFill/>
-              </a:uFill>
-            </a:endParaRPr>
-          </a:p>
-          <a:p>
-            <a:pPr lvl="0">
+            <a:endParaRPr sz="2200"/>
+          </a:p>
+          <a:p>
+            <a:pPr lvl="0" marL="558800" indent="-558800">
               <a:lnSpc>
                 <a:spcPct val="80000"/>
               </a:lnSpc>
-              <a:defRPr sz="1800">
-                <a:uFillTx/>
-              </a:defRPr>
-            </a:pPr>
-            <a:r>
-              <a:rPr sz="2200" u="sng">
-                <a:solidFill>
-                  <a:srgbClr val="99350B"/>
-                </a:solidFill>
-                <a:uFill>
-                  <a:solidFill>
-                    <a:srgbClr val="99350B"/>
-                  </a:solidFill>
-                </a:uFill>
+              <a:buClr>
+                <a:srgbClr val="99350B"/>
+              </a:buClr>
+              <a:defRPr sz="1800">
+                <a:uFillTx/>
+              </a:defRPr>
+            </a:pPr>
+            <a:r>
+              <a:rPr sz="2200">
                 <a:hlinkClick r:id="rId5" invalidUrl="" action="" tgtFrame="" tooltip="" history="1" highlightClick="0" endSnd="0"/>
               </a:rPr>
               <a:t>http://developer.android.com/training/animation/screen-</a:t>
             </a:r>
             <a:r>
-              <a:rPr sz="2200" u="sng">
-                <a:solidFill>
-                  <a:srgbClr val="99350B"/>
-                </a:solidFill>
-                <a:uFill>
-                  <a:solidFill>
-                    <a:srgbClr val="99350B"/>
-                  </a:solidFill>
-                </a:uFill>
+              <a:rPr sz="2200">
                 <a:hlinkClick r:id="rId5" invalidUrl="" action="" tgtFrame="" tooltip="" history="1" highlightClick="0" endSnd="0"/>
               </a:rPr>
               <a:t>slide.html</a:t>
             </a:r>
-            <a:endParaRPr sz="2200">
-              <a:uFill>
-                <a:solidFill/>
-              </a:uFill>
-            </a:endParaRPr>
-          </a:p>
-          <a:p>
-            <a:pPr lvl="0">
+            <a:endParaRPr sz="2200"/>
+          </a:p>
+          <a:p>
+            <a:pPr lvl="0" marL="558800" indent="-558800">
               <a:lnSpc>
                 <a:spcPct val="80000"/>
               </a:lnSpc>
-              <a:defRPr sz="1800">
-                <a:uFillTx/>
-              </a:defRPr>
-            </a:pPr>
-            <a:r>
-              <a:rPr sz="2200" u="sng">
-                <a:solidFill>
-                  <a:srgbClr val="99350B"/>
-                </a:solidFill>
-                <a:uFill>
-                  <a:solidFill>
-                    <a:srgbClr val="99350B"/>
-                  </a:solidFill>
-                </a:uFill>
+              <a:buClr>
+                <a:srgbClr val="99350B"/>
+              </a:buClr>
+              <a:defRPr sz="1800">
+                <a:uFillTx/>
+              </a:defRPr>
+            </a:pPr>
+            <a:r>
+              <a:rPr sz="2200">
                 <a:hlinkClick r:id="rId6" invalidUrl="" action="" tgtFrame="" tooltip="" history="1" highlightClick="0" endSnd="0"/>
               </a:rPr>
               <a:t>http://android-developers.blogspot.in/2011/08/horizontal-view-swiping-with-</a:t>
             </a:r>
             <a:r>
-              <a:rPr sz="2200" u="sng">
-                <a:solidFill>
-                  <a:srgbClr val="99350B"/>
-                </a:solidFill>
-                <a:uFill>
-                  <a:solidFill>
-                    <a:srgbClr val="99350B"/>
-                  </a:solidFill>
-                </a:uFill>
+              <a:rPr sz="2200">
                 <a:hlinkClick r:id="rId6" invalidUrl="" action="" tgtFrame="" tooltip="" history="1" highlightClick="0" endSnd="0"/>
               </a:rPr>
               <a:t>viewpager.html</a:t>
@@ -6425,12 +6484,18 @@
           </p:nvPr>
         </p:nvSpPr>
         <p:spPr>
+          <a:xfrm>
+            <a:off x="571500" y="0"/>
+            <a:ext cx="8001000" cy="1692276"/>
+          </a:xfrm>
           <a:prstGeom prst="rect">
             <a:avLst/>
           </a:prstGeom>
         </p:spPr>
         <p:txBody>
-          <a:bodyPr/>
+          <a:bodyPr lIns="0" tIns="0" rIns="0" bIns="0">
+            <a:normAutofit fontScale="100000" lnSpcReduction="0"/>
+          </a:bodyPr>
           <a:lstStyle/>
           <a:p>
             <a:pPr lvl="0">
@@ -6466,7 +6531,7 @@
           <a:bodyPr/>
           <a:lstStyle/>
           <a:p>
-            <a:pPr lvl="0">
+            <a:pPr lvl="0" marL="609600" indent="-609600">
               <a:defRPr sz="1800">
                 <a:uFillTx/>
               </a:defRPr>
@@ -6486,7 +6551,7 @@
             </a:endParaRPr>
           </a:p>
           <a:p>
-            <a:pPr lvl="0">
+            <a:pPr lvl="0" marL="609600" indent="-609600">
               <a:defRPr sz="1800">
                 <a:uFillTx/>
               </a:defRPr>
@@ -6497,7 +6562,7 @@
                   <a:solidFill/>
                 </a:uFill>
               </a:rPr>
-              <a:t>Styles and Themes</a:t>
+              <a:t>Caching</a:t>
             </a:r>
           </a:p>
         </p:txBody>
@@ -6513,7 +6578,7 @@
         <p:spPr>
           <a:xfrm>
             <a:off x="4046220" y="6206695"/>
-            <a:ext cx="1051561" cy="269241"/>
+            <a:ext cx="1051562" cy="269242"/>
           </a:xfrm>
           <a:prstGeom prst="rect">
             <a:avLst/>
@@ -6525,8 +6590,14 @@
           </a:extLst>
         </p:spPr>
         <p:txBody>
-          <a:bodyPr/>
-          <a:lstStyle/>
+          <a:bodyPr lIns="0" tIns="0" rIns="0" bIns="0">
+            <a:normAutofit fontScale="100000" lnSpcReduction="0"/>
+          </a:bodyPr>
+          <a:lstStyle>
+            <a:lvl1pPr defTabSz="859536">
+              <a:defRPr sz="1128"/>
+            </a:lvl1pPr>
+          </a:lstStyle>
           <a:p>
             <a:pPr lvl="0">
               <a:defRPr sz="1800">
@@ -6537,7 +6608,7 @@
               </a:defRPr>
             </a:pPr>
             <a:fld id="{86CB4B4D-7CA3-9044-876B-883B54F8677D}" type="slidenum">
-              <a:rPr sz="1200">
+              <a:rPr sz="1128">
                 <a:solidFill>
                   <a:srgbClr val="82682C"/>
                 </a:solidFill>
@@ -6637,7 +6708,7 @@
           <a:bodyPr/>
           <a:lstStyle/>
           <a:p>
-            <a:pPr lvl="0">
+            <a:pPr lvl="0" marL="609600" indent="-609600">
               <a:defRPr sz="1800">
                 <a:uFillTx/>
               </a:defRPr>
@@ -6648,7 +6719,7 @@
                   <a:solidFill/>
                 </a:uFill>
               </a:rPr>
-              <a:t>Recap of Async Task</a:t>
+              <a:t>Introduction to Fragments</a:t>
             </a:r>
             <a:endParaRPr sz="2400">
               <a:uFill>
@@ -6657,7 +6728,7 @@
             </a:endParaRPr>
           </a:p>
           <a:p>
-            <a:pPr lvl="0">
+            <a:pPr lvl="0" marL="609600" indent="-609600">
               <a:defRPr sz="1800">
                 <a:uFillTx/>
               </a:defRPr>
@@ -6668,7 +6739,7 @@
                   <a:solidFill/>
                 </a:uFill>
               </a:rPr>
-              <a:t>Introduction to Fragments</a:t>
+              <a:t>Introduction to View Pager</a:t>
             </a:r>
             <a:endParaRPr sz="2400">
               <a:uFill>
@@ -6677,27 +6748,7 @@
             </a:endParaRPr>
           </a:p>
           <a:p>
-            <a:pPr lvl="0">
-              <a:defRPr sz="1800">
-                <a:uFillTx/>
-              </a:defRPr>
-            </a:pPr>
-            <a:r>
-              <a:rPr sz="2400">
-                <a:uFill>
-                  <a:solidFill/>
-                </a:uFill>
-              </a:rPr>
-              <a:t>Introduction to View Pager</a:t>
-            </a:r>
-            <a:endParaRPr sz="2400">
-              <a:uFill>
-                <a:solidFill/>
-              </a:uFill>
-            </a:endParaRPr>
-          </a:p>
-          <a:p>
-            <a:pPr lvl="0">
+            <a:pPr lvl="0" marL="609600" indent="-609600">
               <a:defRPr sz="1800">
                 <a:uFillTx/>
               </a:defRPr>
@@ -6773,1073 +6824,84 @@
                   <a:solidFill/>
                 </a:uFill>
               </a:rPr>
-              <a:t>AsyncTask</a:t>
-            </a:r>
-          </a:p>
-        </p:txBody>
-      </p:sp>
-      <p:grpSp>
-        <p:nvGrpSpPr>
-          <p:cNvPr id="113" name="Group 113"/>
-          <p:cNvGrpSpPr/>
-          <p:nvPr/>
-        </p:nvGrpSpPr>
-        <p:grpSpPr>
-          <a:xfrm>
-            <a:off x="2092959" y="1747520"/>
-            <a:ext cx="1645922" cy="1310641"/>
-            <a:chOff x="0" y="0"/>
-            <a:chExt cx="1645920" cy="1310640"/>
-          </a:xfrm>
-        </p:grpSpPr>
-        <p:sp>
-          <p:nvSpPr>
-            <p:cNvPr id="111" name="Shape 111"/>
-            <p:cNvSpPr/>
-            <p:nvPr/>
-          </p:nvSpPr>
-          <p:spPr>
-            <a:xfrm>
-              <a:off x="-1" y="-1"/>
-              <a:ext cx="1645922" cy="1310642"/>
-            </a:xfrm>
-            <a:prstGeom prst="rect">
-              <a:avLst/>
-            </a:prstGeom>
-            <a:blipFill rotWithShape="1">
-              <a:blip r:embed="rId3"/>
-              <a:srcRect l="0" t="0" r="0" b="0"/>
-              <a:tile tx="0" ty="0" sx="100000" sy="100000" flip="none" algn="tl"/>
-            </a:blipFill>
-            <a:ln w="9525" cap="flat">
-              <a:solidFill>
-                <a:srgbClr val="B64A1D"/>
-              </a:solidFill>
-              <a:prstDash val="solid"/>
-              <a:round/>
-            </a:ln>
-            <a:effectLst>
-              <a:outerShdw sx="100000" sy="100000" kx="0" ky="0" algn="b" rotWithShape="0" blurRad="50800" dist="25400" dir="6600000">
-                <a:srgbClr val="000000">
-                  <a:alpha val="35000"/>
-                </a:srgbClr>
-              </a:outerShdw>
-            </a:effectLst>
-          </p:spPr>
-          <p:txBody>
-            <a:bodyPr wrap="square" lIns="0" tIns="0" rIns="0" bIns="0" numCol="1" anchor="ctr">
-              <a:noAutofit/>
-            </a:bodyPr>
-            <a:lstStyle/>
-            <a:p>
-              <a:pPr lvl="0" algn="ctr">
-                <a:defRPr>
-                  <a:solidFill>
-                    <a:srgbClr val="EAC968"/>
-                  </a:solidFill>
-                  <a:uFill>
-                    <a:solidFill>
-                      <a:srgbClr val="EAC968"/>
-                    </a:solidFill>
-                  </a:uFill>
-                </a:defRPr>
-              </a:pPr>
-            </a:p>
-          </p:txBody>
-        </p:sp>
-        <p:sp>
-          <p:nvSpPr>
-            <p:cNvPr id="112" name="Shape 112"/>
-            <p:cNvSpPr/>
-            <p:nvPr/>
-          </p:nvSpPr>
-          <p:spPr>
-            <a:xfrm>
-              <a:off x="-1" y="463549"/>
-              <a:ext cx="1645922" cy="383541"/>
-            </a:xfrm>
-            <a:prstGeom prst="rect">
-              <a:avLst/>
-            </a:prstGeom>
-            <a:noFill/>
-            <a:ln w="12700" cap="flat">
-              <a:noFill/>
-              <a:miter lim="400000"/>
-            </a:ln>
-            <a:effectLst/>
-            <a:extLst>
-              <a:ext uri="{C572A759-6A51-4108-AA02-DFA0A04FC94B}">
-                <ma14:wrappingTextBoxFlag xmlns:ma14="http://schemas.microsoft.com/office/mac/drawingml/2011/main" val="1"/>
-              </a:ext>
-            </a:extLst>
-          </p:spPr>
-          <p:txBody>
-            <a:bodyPr wrap="square" lIns="0" tIns="0" rIns="0" bIns="0" numCol="1" anchor="ctr">
-              <a:spAutoFit/>
-            </a:bodyPr>
-            <a:lstStyle>
-              <a:lvl1pPr algn="ctr">
-                <a:defRPr>
-                  <a:solidFill>
-                    <a:srgbClr val="EAC968"/>
-                  </a:solidFill>
-                  <a:uFill>
-                    <a:solidFill>
-                      <a:srgbClr val="EAC968"/>
-                    </a:solidFill>
-                  </a:uFill>
-                </a:defRPr>
-              </a:lvl1pPr>
-            </a:lstStyle>
-            <a:p>
-              <a:pPr lvl="0">
-                <a:defRPr>
-                  <a:solidFill>
-                    <a:srgbClr val="000000"/>
-                  </a:solidFill>
-                  <a:uFillTx/>
-                </a:defRPr>
-              </a:pPr>
-              <a:r>
-                <a:rPr>
-                  <a:solidFill>
-                    <a:srgbClr val="EAC968"/>
-                  </a:solidFill>
-                  <a:uFill>
-                    <a:solidFill>
-                      <a:srgbClr val="EAC968"/>
-                    </a:solidFill>
-                  </a:uFill>
-                </a:rPr>
-                <a:t>Activity</a:t>
-              </a:r>
-            </a:p>
-          </p:txBody>
-        </p:sp>
-      </p:grpSp>
-      <p:grpSp>
-        <p:nvGrpSpPr>
-          <p:cNvPr id="116" name="Group 116"/>
-          <p:cNvGrpSpPr/>
-          <p:nvPr/>
-        </p:nvGrpSpPr>
-        <p:grpSpPr>
-          <a:xfrm>
-            <a:off x="5587999" y="1747520"/>
-            <a:ext cx="1605282" cy="1310641"/>
-            <a:chOff x="0" y="0"/>
-            <a:chExt cx="1605280" cy="1310640"/>
-          </a:xfrm>
-        </p:grpSpPr>
-        <p:sp>
-          <p:nvSpPr>
-            <p:cNvPr id="114" name="Shape 114"/>
-            <p:cNvSpPr/>
-            <p:nvPr/>
-          </p:nvSpPr>
-          <p:spPr>
-            <a:xfrm>
-              <a:off x="-1" y="-1"/>
-              <a:ext cx="1605282" cy="1310642"/>
-            </a:xfrm>
-            <a:prstGeom prst="rect">
-              <a:avLst/>
-            </a:prstGeom>
-            <a:blipFill rotWithShape="1">
-              <a:blip r:embed="rId4"/>
-              <a:srcRect l="0" t="0" r="0" b="0"/>
-              <a:tile tx="0" ty="0" sx="100000" sy="100000" flip="none" algn="tl"/>
-            </a:blipFill>
-            <a:ln w="9525" cap="flat">
-              <a:solidFill>
-                <a:srgbClr val="4173A2"/>
-              </a:solidFill>
-              <a:prstDash val="solid"/>
-              <a:round/>
-            </a:ln>
-            <a:effectLst>
-              <a:outerShdw sx="100000" sy="100000" kx="0" ky="0" algn="b" rotWithShape="0" blurRad="50800" dist="25400" dir="6600000">
-                <a:srgbClr val="000000">
-                  <a:alpha val="35000"/>
-                </a:srgbClr>
-              </a:outerShdw>
-            </a:effectLst>
-          </p:spPr>
-          <p:txBody>
-            <a:bodyPr wrap="square" lIns="0" tIns="0" rIns="0" bIns="0" numCol="1" anchor="ctr">
-              <a:noAutofit/>
-            </a:bodyPr>
-            <a:lstStyle/>
-            <a:p>
-              <a:pPr lvl="0" algn="ctr">
-                <a:defRPr>
-                  <a:solidFill>
-                    <a:srgbClr val="EAC968"/>
-                  </a:solidFill>
-                  <a:uFill>
-                    <a:solidFill>
-                      <a:srgbClr val="EAC968"/>
-                    </a:solidFill>
-                  </a:uFill>
-                </a:defRPr>
-              </a:pPr>
-            </a:p>
-          </p:txBody>
-        </p:sp>
-        <p:sp>
-          <p:nvSpPr>
-            <p:cNvPr id="115" name="Shape 115"/>
-            <p:cNvSpPr/>
-            <p:nvPr/>
-          </p:nvSpPr>
-          <p:spPr>
-            <a:xfrm>
-              <a:off x="-1" y="463549"/>
-              <a:ext cx="1605282" cy="383541"/>
-            </a:xfrm>
-            <a:prstGeom prst="rect">
-              <a:avLst/>
-            </a:prstGeom>
-            <a:noFill/>
-            <a:ln w="12700" cap="flat">
-              <a:noFill/>
-              <a:miter lim="400000"/>
-            </a:ln>
-            <a:effectLst/>
-            <a:extLst>
-              <a:ext uri="{C572A759-6A51-4108-AA02-DFA0A04FC94B}">
-                <ma14:wrappingTextBoxFlag xmlns:ma14="http://schemas.microsoft.com/office/mac/drawingml/2011/main" val="1"/>
-              </a:ext>
-            </a:extLst>
-          </p:spPr>
-          <p:txBody>
-            <a:bodyPr wrap="square" lIns="0" tIns="0" rIns="0" bIns="0" numCol="1" anchor="ctr">
-              <a:spAutoFit/>
-            </a:bodyPr>
-            <a:lstStyle>
-              <a:lvl1pPr algn="ctr">
-                <a:defRPr>
-                  <a:solidFill>
-                    <a:srgbClr val="EAC968"/>
-                  </a:solidFill>
-                  <a:uFill>
-                    <a:solidFill>
-                      <a:srgbClr val="EAC968"/>
-                    </a:solidFill>
-                  </a:uFill>
-                </a:defRPr>
-              </a:lvl1pPr>
-            </a:lstStyle>
-            <a:p>
-              <a:pPr lvl="0">
-                <a:defRPr>
-                  <a:solidFill>
-                    <a:srgbClr val="000000"/>
-                  </a:solidFill>
-                  <a:uFillTx/>
-                </a:defRPr>
-              </a:pPr>
-              <a:r>
-                <a:rPr>
-                  <a:solidFill>
-                    <a:srgbClr val="EAC968"/>
-                  </a:solidFill>
-                  <a:uFill>
-                    <a:solidFill>
-                      <a:srgbClr val="EAC968"/>
-                    </a:solidFill>
-                  </a:uFill>
-                </a:rPr>
-                <a:t>Repo</a:t>
-              </a:r>
-            </a:p>
-          </p:txBody>
-        </p:sp>
-      </p:grpSp>
-      <p:grpSp>
-        <p:nvGrpSpPr>
-          <p:cNvPr id="119" name="Group 119"/>
-          <p:cNvGrpSpPr/>
-          <p:nvPr/>
-        </p:nvGrpSpPr>
-        <p:grpSpPr>
-          <a:xfrm>
-            <a:off x="5587999" y="4714240"/>
-            <a:ext cx="1605282" cy="1422401"/>
-            <a:chOff x="0" y="0"/>
-            <a:chExt cx="1605280" cy="1422400"/>
-          </a:xfrm>
-        </p:grpSpPr>
-        <p:sp>
-          <p:nvSpPr>
-            <p:cNvPr id="117" name="Shape 117"/>
-            <p:cNvSpPr/>
-            <p:nvPr/>
-          </p:nvSpPr>
-          <p:spPr>
-            <a:xfrm>
-              <a:off x="-1" y="0"/>
-              <a:ext cx="1605282" cy="1422400"/>
-            </a:xfrm>
-            <a:prstGeom prst="rect">
-              <a:avLst/>
-            </a:prstGeom>
-            <a:blipFill rotWithShape="1">
-              <a:blip r:embed="rId5"/>
-              <a:srcRect l="0" t="0" r="0" b="0"/>
-              <a:tile tx="0" ty="0" sx="100000" sy="100000" flip="none" algn="tl"/>
-            </a:blipFill>
-            <a:ln w="9525" cap="flat">
-              <a:solidFill>
-                <a:srgbClr val="649048"/>
-              </a:solidFill>
-              <a:prstDash val="solid"/>
-              <a:round/>
-            </a:ln>
-            <a:effectLst>
-              <a:outerShdw sx="100000" sy="100000" kx="0" ky="0" algn="b" rotWithShape="0" blurRad="50800" dist="25400" dir="6600000">
-                <a:srgbClr val="000000">
-                  <a:alpha val="35000"/>
-                </a:srgbClr>
-              </a:outerShdw>
-            </a:effectLst>
-          </p:spPr>
-          <p:txBody>
-            <a:bodyPr wrap="square" lIns="0" tIns="0" rIns="0" bIns="0" numCol="1" anchor="ctr">
-              <a:noAutofit/>
-            </a:bodyPr>
-            <a:lstStyle/>
-            <a:p>
-              <a:pPr lvl="0" algn="ctr">
-                <a:defRPr>
-                  <a:solidFill>
-                    <a:srgbClr val="EAC968"/>
-                  </a:solidFill>
-                  <a:uFill>
-                    <a:solidFill>
-                      <a:srgbClr val="EAC968"/>
-                    </a:solidFill>
-                  </a:uFill>
-                </a:defRPr>
-              </a:pPr>
-            </a:p>
-          </p:txBody>
-        </p:sp>
-        <p:sp>
-          <p:nvSpPr>
-            <p:cNvPr id="118" name="Shape 118"/>
-            <p:cNvSpPr/>
-            <p:nvPr/>
-          </p:nvSpPr>
-          <p:spPr>
-            <a:xfrm>
-              <a:off x="-1" y="519429"/>
-              <a:ext cx="1605282" cy="383541"/>
-            </a:xfrm>
-            <a:prstGeom prst="rect">
-              <a:avLst/>
-            </a:prstGeom>
-            <a:noFill/>
-            <a:ln w="12700" cap="flat">
-              <a:noFill/>
-              <a:miter lim="400000"/>
-            </a:ln>
-            <a:effectLst/>
-            <a:extLst>
-              <a:ext uri="{C572A759-6A51-4108-AA02-DFA0A04FC94B}">
-                <ma14:wrappingTextBoxFlag xmlns:ma14="http://schemas.microsoft.com/office/mac/drawingml/2011/main" val="1"/>
-              </a:ext>
-            </a:extLst>
-          </p:spPr>
-          <p:txBody>
-            <a:bodyPr wrap="square" lIns="0" tIns="0" rIns="0" bIns="0" numCol="1" anchor="ctr">
-              <a:spAutoFit/>
-            </a:bodyPr>
-            <a:lstStyle>
-              <a:lvl1pPr algn="ctr">
-                <a:defRPr>
-                  <a:solidFill>
-                    <a:srgbClr val="EAC968"/>
-                  </a:solidFill>
-                  <a:uFill>
-                    <a:solidFill>
-                      <a:srgbClr val="EAC968"/>
-                    </a:solidFill>
-                  </a:uFill>
-                </a:defRPr>
-              </a:lvl1pPr>
-            </a:lstStyle>
-            <a:p>
-              <a:pPr lvl="0">
-                <a:defRPr>
-                  <a:solidFill>
-                    <a:srgbClr val="000000"/>
-                  </a:solidFill>
-                  <a:uFillTx/>
-                </a:defRPr>
-              </a:pPr>
-              <a:r>
-                <a:rPr>
-                  <a:solidFill>
-                    <a:srgbClr val="EAC968"/>
-                  </a:solidFill>
-                  <a:uFill>
-                    <a:solidFill>
-                      <a:srgbClr val="EAC968"/>
-                    </a:solidFill>
-                  </a:uFill>
-                </a:rPr>
-                <a:t>AsyncTask</a:t>
-              </a:r>
-            </a:p>
-          </p:txBody>
-        </p:sp>
-      </p:grpSp>
-      <p:sp>
-        <p:nvSpPr>
-          <p:cNvPr id="120" name="Shape 120"/>
-          <p:cNvSpPr/>
-          <p:nvPr/>
-        </p:nvSpPr>
-        <p:spPr>
-          <a:xfrm>
-            <a:off x="3738879" y="2293181"/>
-            <a:ext cx="1818641" cy="1"/>
-          </a:xfrm>
-          <a:prstGeom prst="line">
-            <a:avLst/>
-          </a:prstGeom>
-          <a:ln w="25400">
-            <a:solidFill/>
-            <a:round/>
-            <a:tailEnd type="triangle"/>
-          </a:ln>
-        </p:spPr>
-        <p:txBody>
-          <a:bodyPr lIns="0" tIns="0" rIns="0" bIns="0"/>
-          <a:lstStyle/>
-          <a:p>
-            <a:pPr lvl="0" defTabSz="457200">
-              <a:defRPr sz="1200">
-                <a:uFillTx/>
-                <a:latin typeface="+mj-lt"/>
-                <a:ea typeface="+mj-ea"/>
-                <a:cs typeface="+mj-cs"/>
-                <a:sym typeface="Helvetica"/>
-              </a:defRPr>
-            </a:pPr>
+              <a:t>Fragments</a:t>
+            </a:r>
           </a:p>
         </p:txBody>
       </p:sp>
       <p:sp>
         <p:nvSpPr>
-          <p:cNvPr id="121" name="Shape 121"/>
+          <p:cNvPr id="111" name="Shape 111"/>
           <p:cNvSpPr/>
-          <p:nvPr/>
+          <p:nvPr>
+            <p:ph type="body" idx="1"/>
+          </p:nvPr>
         </p:nvSpPr>
         <p:spPr>
           <a:xfrm>
-            <a:off x="4003040" y="1944765"/>
-            <a:ext cx="1209041" cy="320041"/>
+            <a:off x="571500" y="1879600"/>
+            <a:ext cx="8001000" cy="4114800"/>
           </a:xfrm>
           <a:prstGeom prst="rect">
             <a:avLst/>
           </a:prstGeom>
-          <a:ln w="12700">
-            <a:miter lim="400000"/>
-          </a:ln>
-          <a:extLst>
-            <a:ext uri="{C572A759-6A51-4108-AA02-DFA0A04FC94B}">
-              <ma14:wrappingTextBoxFlag xmlns:ma14="http://schemas.microsoft.com/office/mac/drawingml/2011/main" val="1"/>
-            </a:ext>
-          </a:extLst>
         </p:spPr>
         <p:txBody>
-          <a:bodyPr lIns="45719" rIns="45719">
-            <a:spAutoFit/>
-          </a:bodyPr>
-          <a:lstStyle>
-            <a:lvl1pPr algn="ctr">
-              <a:defRPr sz="1400"/>
-            </a:lvl1pPr>
-          </a:lstStyle>
-          <a:p>
-            <a:pPr lvl="0">
-              <a:defRPr sz="1800">
-                <a:uFillTx/>
-              </a:defRPr>
-            </a:pPr>
-            <a:r>
-              <a:rPr sz="1400">
-                <a:uFill>
-                  <a:solidFill/>
-                </a:uFill>
-              </a:rPr>
-              <a:t>Get Products</a:t>
-            </a:r>
-          </a:p>
-        </p:txBody>
-      </p:sp>
-      <p:grpSp>
-        <p:nvGrpSpPr>
-          <p:cNvPr id="124" name="Group 124"/>
-          <p:cNvGrpSpPr/>
-          <p:nvPr/>
-        </p:nvGrpSpPr>
-        <p:grpSpPr>
-          <a:xfrm>
-            <a:off x="2092959" y="4714240"/>
-            <a:ext cx="1645922" cy="1422401"/>
-            <a:chOff x="0" y="0"/>
-            <a:chExt cx="1645920" cy="1422400"/>
-          </a:xfrm>
-        </p:grpSpPr>
-        <p:sp>
-          <p:nvSpPr>
-            <p:cNvPr id="122" name="Shape 122"/>
-            <p:cNvSpPr/>
-            <p:nvPr/>
-          </p:nvSpPr>
-          <p:spPr>
-            <a:xfrm>
-              <a:off x="-1" y="0"/>
-              <a:ext cx="1645922" cy="1422400"/>
-            </a:xfrm>
-            <a:prstGeom prst="rect">
-              <a:avLst/>
-            </a:prstGeom>
-            <a:blipFill rotWithShape="1">
-              <a:blip r:embed="rId6"/>
-              <a:srcRect l="0" t="0" r="0" b="0"/>
-              <a:tile tx="0" ty="0" sx="100000" sy="100000" flip="none" algn="tl"/>
-            </a:blipFill>
-            <a:ln w="9525" cap="flat">
-              <a:solidFill>
-                <a:srgbClr val="000000"/>
-              </a:solidFill>
-              <a:prstDash val="solid"/>
-              <a:round/>
-            </a:ln>
-            <a:effectLst>
-              <a:outerShdw sx="100000" sy="100000" kx="0" ky="0" algn="b" rotWithShape="0" blurRad="50800" dist="25400" dir="6600000">
-                <a:srgbClr val="000000">
-                  <a:alpha val="35000"/>
-                </a:srgbClr>
-              </a:outerShdw>
-            </a:effectLst>
-          </p:spPr>
-          <p:txBody>
-            <a:bodyPr wrap="square" lIns="0" tIns="0" rIns="0" bIns="0" numCol="1" anchor="ctr">
-              <a:noAutofit/>
-            </a:bodyPr>
-            <a:lstStyle/>
-            <a:p>
-              <a:pPr lvl="0" algn="ctr">
-                <a:defRPr>
-                  <a:solidFill>
-                    <a:srgbClr val="EAC968"/>
-                  </a:solidFill>
-                  <a:uFill>
-                    <a:solidFill>
-                      <a:srgbClr val="EAC968"/>
-                    </a:solidFill>
-                  </a:uFill>
-                </a:defRPr>
-              </a:pPr>
-            </a:p>
-          </p:txBody>
-        </p:sp>
-        <p:sp>
-          <p:nvSpPr>
-            <p:cNvPr id="123" name="Shape 123"/>
-            <p:cNvSpPr/>
-            <p:nvPr/>
-          </p:nvSpPr>
-          <p:spPr>
-            <a:xfrm>
-              <a:off x="-1" y="519429"/>
-              <a:ext cx="1645922" cy="383541"/>
-            </a:xfrm>
-            <a:prstGeom prst="rect">
-              <a:avLst/>
-            </a:prstGeom>
-            <a:noFill/>
-            <a:ln w="12700" cap="flat">
-              <a:noFill/>
-              <a:miter lim="400000"/>
-            </a:ln>
-            <a:effectLst/>
-            <a:extLst>
-              <a:ext uri="{C572A759-6A51-4108-AA02-DFA0A04FC94B}">
-                <ma14:wrappingTextBoxFlag xmlns:ma14="http://schemas.microsoft.com/office/mac/drawingml/2011/main" val="1"/>
-              </a:ext>
-            </a:extLst>
-          </p:spPr>
-          <p:txBody>
-            <a:bodyPr wrap="square" lIns="0" tIns="0" rIns="0" bIns="0" numCol="1" anchor="ctr">
-              <a:spAutoFit/>
-            </a:bodyPr>
-            <a:lstStyle>
-              <a:lvl1pPr algn="ctr">
-                <a:defRPr>
-                  <a:solidFill>
-                    <a:srgbClr val="EAC968"/>
-                  </a:solidFill>
-                  <a:uFill>
-                    <a:solidFill>
-                      <a:srgbClr val="EAC968"/>
-                    </a:solidFill>
-                  </a:uFill>
-                </a:defRPr>
-              </a:lvl1pPr>
-            </a:lstStyle>
-            <a:p>
-              <a:pPr lvl="0">
-                <a:defRPr>
-                  <a:solidFill>
-                    <a:srgbClr val="000000"/>
-                  </a:solidFill>
-                  <a:uFillTx/>
-                </a:defRPr>
-              </a:pPr>
-              <a:r>
-                <a:rPr>
-                  <a:solidFill>
-                    <a:srgbClr val="EAC968"/>
-                  </a:solidFill>
-                  <a:uFill>
-                    <a:solidFill>
-                      <a:srgbClr val="EAC968"/>
-                    </a:solidFill>
-                  </a:uFill>
-                </a:rPr>
-                <a:t>Backend</a:t>
-              </a:r>
-            </a:p>
-          </p:txBody>
-        </p:sp>
-      </p:grpSp>
-      <p:sp>
-        <p:nvSpPr>
-          <p:cNvPr id="125" name="Shape 125"/>
-          <p:cNvSpPr/>
-          <p:nvPr/>
-        </p:nvSpPr>
-        <p:spPr>
-          <a:xfrm>
-            <a:off x="3738879" y="5452941"/>
-            <a:ext cx="1818641" cy="1"/>
-          </a:xfrm>
-          <a:prstGeom prst="line">
-            <a:avLst/>
-          </a:prstGeom>
-          <a:ln w="25400">
-            <a:solidFill/>
-            <a:round/>
-            <a:tailEnd type="triangle"/>
-          </a:ln>
-        </p:spPr>
-        <p:txBody>
-          <a:bodyPr lIns="0" tIns="0" rIns="0" bIns="0"/>
+          <a:bodyPr/>
           <a:lstStyle/>
           <a:p>
-            <a:pPr lvl="0" defTabSz="457200">
-              <a:defRPr sz="1200">
-                <a:uFillTx/>
-                <a:latin typeface="+mj-lt"/>
-                <a:ea typeface="+mj-ea"/>
-                <a:cs typeface="+mj-cs"/>
-                <a:sym typeface="Helvetica"/>
-              </a:defRPr>
-            </a:pPr>
-          </a:p>
-        </p:txBody>
-      </p:sp>
-      <p:sp>
-        <p:nvSpPr>
-          <p:cNvPr id="126" name="Shape 126"/>
-          <p:cNvSpPr/>
-          <p:nvPr/>
-        </p:nvSpPr>
-        <p:spPr>
-          <a:xfrm>
-            <a:off x="3850640" y="4655401"/>
-            <a:ext cx="1595121" cy="548641"/>
-          </a:xfrm>
-          <a:prstGeom prst="rect">
-            <a:avLst/>
-          </a:prstGeom>
-          <a:ln w="12700">
-            <a:miter lim="400000"/>
-          </a:ln>
-          <a:extLst>
-            <a:ext uri="{C572A759-6A51-4108-AA02-DFA0A04FC94B}">
-              <ma14:wrappingTextBoxFlag xmlns:ma14="http://schemas.microsoft.com/office/mac/drawingml/2011/main" val="1"/>
-            </a:ext>
-          </a:extLst>
-        </p:spPr>
-        <p:txBody>
-          <a:bodyPr lIns="45719" rIns="45719">
-            <a:spAutoFit/>
-          </a:bodyPr>
-          <a:lstStyle>
-            <a:lvl1pPr algn="ctr">
-              <a:defRPr sz="1400"/>
-            </a:lvl1pPr>
-          </a:lstStyle>
-          <a:p>
-            <a:pPr lvl="0">
-              <a:defRPr sz="1800">
-                <a:uFillTx/>
-              </a:defRPr>
-            </a:pPr>
-            <a:r>
-              <a:rPr sz="1400">
-                <a:uFill>
-                  <a:solidFill/>
-                </a:uFill>
-              </a:rPr>
-              <a:t>Request - doInBackground</a:t>
-            </a:r>
-          </a:p>
-        </p:txBody>
-      </p:sp>
-      <p:sp>
-        <p:nvSpPr>
-          <p:cNvPr id="127" name="Shape 127"/>
-          <p:cNvSpPr/>
-          <p:nvPr/>
-        </p:nvSpPr>
-        <p:spPr>
-          <a:xfrm flipH="1" flipV="1">
-            <a:off x="3738879" y="2550160"/>
-            <a:ext cx="1818641" cy="1"/>
-          </a:xfrm>
-          <a:prstGeom prst="line">
-            <a:avLst/>
-          </a:prstGeom>
-          <a:ln w="25400">
-            <a:solidFill/>
-            <a:round/>
-            <a:tailEnd type="triangle"/>
-          </a:ln>
-        </p:spPr>
-        <p:txBody>
-          <a:bodyPr lIns="0" tIns="0" rIns="0" bIns="0"/>
-          <a:lstStyle/>
-          <a:p>
-            <a:pPr lvl="0" defTabSz="457200">
-              <a:defRPr sz="1200">
-                <a:uFillTx/>
-                <a:latin typeface="+mj-lt"/>
-                <a:ea typeface="+mj-ea"/>
-                <a:cs typeface="+mj-cs"/>
-                <a:sym typeface="Helvetica"/>
-              </a:defRPr>
-            </a:pPr>
-          </a:p>
-        </p:txBody>
-      </p:sp>
-      <p:sp>
-        <p:nvSpPr>
-          <p:cNvPr id="128" name="Shape 128"/>
-          <p:cNvSpPr/>
-          <p:nvPr/>
-        </p:nvSpPr>
-        <p:spPr>
-          <a:xfrm flipH="1">
-            <a:off x="3738879" y="5178621"/>
-            <a:ext cx="1818641" cy="1"/>
-          </a:xfrm>
-          <a:prstGeom prst="line">
-            <a:avLst/>
-          </a:prstGeom>
-          <a:ln w="25400">
-            <a:solidFill/>
-            <a:round/>
-            <a:tailEnd type="triangle"/>
-          </a:ln>
-        </p:spPr>
-        <p:txBody>
-          <a:bodyPr lIns="0" tIns="0" rIns="0" bIns="0"/>
-          <a:lstStyle/>
-          <a:p>
-            <a:pPr lvl="0" defTabSz="457200">
-              <a:defRPr sz="1200">
-                <a:uFillTx/>
-                <a:latin typeface="+mj-lt"/>
-                <a:ea typeface="+mj-ea"/>
-                <a:cs typeface="+mj-cs"/>
-                <a:sym typeface="Helvetica"/>
-              </a:defRPr>
-            </a:pPr>
-          </a:p>
-        </p:txBody>
-      </p:sp>
-      <p:sp>
-        <p:nvSpPr>
-          <p:cNvPr id="129" name="Shape 129"/>
-          <p:cNvSpPr/>
-          <p:nvPr/>
-        </p:nvSpPr>
-        <p:spPr>
-          <a:xfrm>
-            <a:off x="3738879" y="2550160"/>
-            <a:ext cx="1818641" cy="320041"/>
-          </a:xfrm>
-          <a:prstGeom prst="rect">
-            <a:avLst/>
-          </a:prstGeom>
-          <a:ln w="12700">
-            <a:miter lim="400000"/>
-          </a:ln>
-          <a:extLst>
-            <a:ext uri="{C572A759-6A51-4108-AA02-DFA0A04FC94B}">
-              <ma14:wrappingTextBoxFlag xmlns:ma14="http://schemas.microsoft.com/office/mac/drawingml/2011/main" val="1"/>
-            </a:ext>
-          </a:extLst>
-        </p:spPr>
-        <p:txBody>
-          <a:bodyPr lIns="45719" rIns="45719">
-            <a:spAutoFit/>
-          </a:bodyPr>
-          <a:lstStyle>
-            <a:lvl1pPr algn="ctr">
-              <a:defRPr sz="1400"/>
-            </a:lvl1pPr>
-          </a:lstStyle>
-          <a:p>
-            <a:pPr lvl="0">
-              <a:defRPr sz="1800">
-                <a:uFillTx/>
-              </a:defRPr>
-            </a:pPr>
-            <a:r>
-              <a:rPr sz="1400">
-                <a:uFill>
-                  <a:solidFill/>
-                </a:uFill>
-              </a:rPr>
-              <a:t>Products Callback</a:t>
-            </a:r>
-          </a:p>
-        </p:txBody>
-      </p:sp>
-      <p:sp>
-        <p:nvSpPr>
-          <p:cNvPr id="130" name="Shape 130"/>
-          <p:cNvSpPr/>
-          <p:nvPr/>
-        </p:nvSpPr>
-        <p:spPr>
-          <a:xfrm>
-            <a:off x="4003040" y="5452941"/>
-            <a:ext cx="1209041" cy="320041"/>
-          </a:xfrm>
-          <a:prstGeom prst="rect">
-            <a:avLst/>
-          </a:prstGeom>
-          <a:ln w="12700">
-            <a:miter lim="400000"/>
-          </a:ln>
-          <a:extLst>
-            <a:ext uri="{C572A759-6A51-4108-AA02-DFA0A04FC94B}">
-              <ma14:wrappingTextBoxFlag xmlns:ma14="http://schemas.microsoft.com/office/mac/drawingml/2011/main" val="1"/>
-            </a:ext>
-          </a:extLst>
-        </p:spPr>
-        <p:txBody>
-          <a:bodyPr lIns="45719" rIns="45719">
-            <a:spAutoFit/>
-          </a:bodyPr>
-          <a:lstStyle>
-            <a:lvl1pPr algn="ctr">
-              <a:defRPr sz="1400"/>
-            </a:lvl1pPr>
-          </a:lstStyle>
-          <a:p>
-            <a:pPr lvl="0">
-              <a:defRPr sz="1800">
-                <a:uFillTx/>
-              </a:defRPr>
-            </a:pPr>
-            <a:r>
-              <a:rPr sz="1400">
-                <a:uFill>
-                  <a:solidFill/>
-                </a:uFill>
-              </a:rPr>
-              <a:t>Response</a:t>
-            </a:r>
-          </a:p>
-        </p:txBody>
-      </p:sp>
-      <p:sp>
-        <p:nvSpPr>
-          <p:cNvPr id="131" name="Shape 131"/>
-          <p:cNvSpPr/>
-          <p:nvPr/>
-        </p:nvSpPr>
-        <p:spPr>
-          <a:xfrm>
-            <a:off x="6126480" y="3058160"/>
-            <a:ext cx="10161" cy="1656080"/>
-          </a:xfrm>
-          <a:prstGeom prst="line">
-            <a:avLst/>
-          </a:prstGeom>
-          <a:ln w="25400">
-            <a:solidFill/>
-            <a:round/>
-            <a:tailEnd type="triangle"/>
-          </a:ln>
-        </p:spPr>
-        <p:txBody>
-          <a:bodyPr lIns="0" tIns="0" rIns="0" bIns="0"/>
-          <a:lstStyle/>
-          <a:p>
-            <a:pPr lvl="0" defTabSz="457200">
-              <a:defRPr sz="1200">
-                <a:uFillTx/>
-                <a:latin typeface="+mj-lt"/>
-                <a:ea typeface="+mj-ea"/>
-                <a:cs typeface="+mj-cs"/>
-                <a:sym typeface="Helvetica"/>
-              </a:defRPr>
-            </a:pPr>
-          </a:p>
-        </p:txBody>
-      </p:sp>
-      <p:sp>
-        <p:nvSpPr>
-          <p:cNvPr id="132" name="Shape 132"/>
-          <p:cNvSpPr/>
-          <p:nvPr/>
-        </p:nvSpPr>
-        <p:spPr>
-          <a:xfrm flipV="1">
-            <a:off x="6604000" y="3058160"/>
-            <a:ext cx="1" cy="1656080"/>
-          </a:xfrm>
-          <a:prstGeom prst="line">
-            <a:avLst/>
-          </a:prstGeom>
-          <a:ln w="25400">
-            <a:solidFill/>
-            <a:round/>
-            <a:tailEnd type="triangle"/>
-          </a:ln>
-        </p:spPr>
-        <p:txBody>
-          <a:bodyPr lIns="0" tIns="0" rIns="0" bIns="0"/>
-          <a:lstStyle/>
-          <a:p>
-            <a:pPr lvl="0" defTabSz="457200">
-              <a:defRPr sz="1200">
-                <a:uFillTx/>
-                <a:latin typeface="+mj-lt"/>
-                <a:ea typeface="+mj-ea"/>
-                <a:cs typeface="+mj-cs"/>
-                <a:sym typeface="Helvetica"/>
-              </a:defRPr>
-            </a:pPr>
-          </a:p>
-        </p:txBody>
-      </p:sp>
-      <p:sp>
-        <p:nvSpPr>
-          <p:cNvPr id="133" name="Shape 133"/>
-          <p:cNvSpPr/>
-          <p:nvPr/>
-        </p:nvSpPr>
-        <p:spPr>
-          <a:xfrm>
-            <a:off x="4917440" y="3702444"/>
-            <a:ext cx="1209041" cy="320041"/>
-          </a:xfrm>
-          <a:prstGeom prst="rect">
-            <a:avLst/>
-          </a:prstGeom>
-          <a:ln w="12700">
-            <a:miter lim="400000"/>
-          </a:ln>
-          <a:extLst>
-            <a:ext uri="{C572A759-6A51-4108-AA02-DFA0A04FC94B}">
-              <ma14:wrappingTextBoxFlag xmlns:ma14="http://schemas.microsoft.com/office/mac/drawingml/2011/main" val="1"/>
-            </a:ext>
-          </a:extLst>
-        </p:spPr>
-        <p:txBody>
-          <a:bodyPr lIns="45719" rIns="45719">
-            <a:spAutoFit/>
-          </a:bodyPr>
-          <a:lstStyle>
-            <a:lvl1pPr algn="ctr">
-              <a:defRPr sz="1400"/>
-            </a:lvl1pPr>
-          </a:lstStyle>
-          <a:p>
-            <a:pPr lvl="0">
-              <a:defRPr sz="1800">
-                <a:uFillTx/>
-              </a:defRPr>
-            </a:pPr>
-            <a:r>
-              <a:rPr sz="1400">
-                <a:uFill>
-                  <a:solidFill/>
-                </a:uFill>
-              </a:rPr>
-              <a:t>Get Products</a:t>
-            </a:r>
-          </a:p>
-        </p:txBody>
-      </p:sp>
-      <p:sp>
-        <p:nvSpPr>
-          <p:cNvPr id="134" name="Shape 134"/>
-          <p:cNvSpPr/>
-          <p:nvPr/>
-        </p:nvSpPr>
-        <p:spPr>
-          <a:xfrm>
-            <a:off x="6370320" y="3702444"/>
-            <a:ext cx="2072641" cy="548641"/>
-          </a:xfrm>
-          <a:prstGeom prst="rect">
-            <a:avLst/>
-          </a:prstGeom>
-          <a:ln w="12700">
-            <a:miter lim="400000"/>
-          </a:ln>
-          <a:extLst>
-            <a:ext uri="{C572A759-6A51-4108-AA02-DFA0A04FC94B}">
-              <ma14:wrappingTextBoxFlag xmlns:ma14="http://schemas.microsoft.com/office/mac/drawingml/2011/main" val="1"/>
-            </a:ext>
-          </a:extLst>
-        </p:spPr>
-        <p:txBody>
-          <a:bodyPr lIns="45719" rIns="45719">
-            <a:spAutoFit/>
-          </a:bodyPr>
-          <a:lstStyle>
-            <a:lvl1pPr algn="ctr">
-              <a:defRPr sz="1400"/>
-            </a:lvl1pPr>
-          </a:lstStyle>
-          <a:p>
-            <a:pPr lvl="0">
-              <a:defRPr sz="1800">
-                <a:uFillTx/>
-              </a:defRPr>
-            </a:pPr>
-            <a:r>
-              <a:rPr sz="1400">
-                <a:uFill>
-                  <a:solidFill/>
-                </a:uFill>
-              </a:rPr>
-              <a:t>Response Callback - onPostExecute</a:t>
+            <a:pPr lvl="0" marL="609600" indent="-609600">
+              <a:defRPr sz="1800">
+                <a:uFillTx/>
+              </a:defRPr>
+            </a:pPr>
+            <a:r>
+              <a:rPr sz="2400">
+                <a:uFill>
+                  <a:solidFill/>
+                </a:uFill>
+              </a:rPr>
+              <a:t>What is a Fragment</a:t>
+            </a:r>
+            <a:endParaRPr sz="2400">
+              <a:uFill>
+                <a:solidFill/>
+              </a:uFill>
+            </a:endParaRPr>
+          </a:p>
+          <a:p>
+            <a:pPr lvl="0" marL="609600" indent="-609600">
+              <a:defRPr sz="1800">
+                <a:uFillTx/>
+              </a:defRPr>
+            </a:pPr>
+            <a:r>
+              <a:rPr sz="2400">
+                <a:uFill>
+                  <a:solidFill/>
+                </a:uFill>
+              </a:rPr>
+              <a:t>Why is it needed ?</a:t>
+            </a:r>
+            <a:endParaRPr sz="2400">
+              <a:uFill>
+                <a:solidFill/>
+              </a:uFill>
+            </a:endParaRPr>
+          </a:p>
+          <a:p>
+            <a:pPr lvl="0" marL="609600" indent="-609600">
+              <a:defRPr sz="1800">
+                <a:uFillTx/>
+              </a:defRPr>
+            </a:pPr>
+            <a:r>
+              <a:rPr sz="2400">
+                <a:uFill>
+                  <a:solidFill/>
+                </a:uFill>
+              </a:rPr>
+              <a:t>Fragment Lifecycle</a:t>
             </a:r>
           </a:p>
         </p:txBody>
@@ -7872,7 +6934,7 @@
       </p:grpSpPr>
       <p:sp>
         <p:nvSpPr>
-          <p:cNvPr id="138" name="Shape 138"/>
+          <p:cNvPr id="115" name="Shape 115"/>
           <p:cNvSpPr/>
           <p:nvPr>
             <p:ph type="title"/>
@@ -7911,7 +6973,7 @@
       </p:sp>
       <p:sp>
         <p:nvSpPr>
-          <p:cNvPr id="139" name="Shape 139"/>
+          <p:cNvPr id="116" name="Shape 116"/>
           <p:cNvSpPr/>
           <p:nvPr>
             <p:ph type="body" idx="1"/>
@@ -7919,7 +6981,7 @@
         </p:nvSpPr>
         <p:spPr>
           <a:xfrm>
-            <a:off x="571500" y="1879600"/>
+            <a:off x="571500" y="1905000"/>
             <a:ext cx="8001000" cy="4114800"/>
           </a:xfrm>
           <a:prstGeom prst="rect">
@@ -7930,7 +6992,7 @@
           <a:bodyPr/>
           <a:lstStyle/>
           <a:p>
-            <a:pPr lvl="0">
+            <a:pPr lvl="0" marL="609600" indent="-609600">
               <a:defRPr sz="1800">
                 <a:uFillTx/>
               </a:defRPr>
@@ -7941,7 +7003,7 @@
                   <a:solidFill/>
                 </a:uFill>
               </a:rPr>
-              <a:t>What is a Fragment</a:t>
+              <a:t>Fragment Manager</a:t>
             </a:r>
             <a:endParaRPr sz="2400">
               <a:uFill>
@@ -7950,7 +7012,7 @@
             </a:endParaRPr>
           </a:p>
           <a:p>
-            <a:pPr lvl="0">
+            <a:pPr lvl="0" marL="609600" indent="-609600">
               <a:defRPr sz="1800">
                 <a:uFillTx/>
               </a:defRPr>
@@ -7961,27 +7023,7 @@
                   <a:solidFill/>
                 </a:uFill>
               </a:rPr>
-              <a:t>Why is it needed ?</a:t>
-            </a:r>
-            <a:endParaRPr sz="2400">
-              <a:uFill>
-                <a:solidFill/>
-              </a:uFill>
-            </a:endParaRPr>
-          </a:p>
-          <a:p>
-            <a:pPr lvl="0">
-              <a:defRPr sz="1800">
-                <a:uFillTx/>
-              </a:defRPr>
-            </a:pPr>
-            <a:r>
-              <a:rPr sz="2400">
-                <a:uFill>
-                  <a:solidFill/>
-                </a:uFill>
-              </a:rPr>
-              <a:t>Fragment Lifecycle</a:t>
+              <a:t>How to convert an Activity to a Fragment</a:t>
             </a:r>
           </a:p>
         </p:txBody>
@@ -8014,7 +7056,7 @@
       </p:grpSpPr>
       <p:sp>
         <p:nvSpPr>
-          <p:cNvPr id="143" name="Shape 143"/>
+          <p:cNvPr id="120" name="Shape 120"/>
           <p:cNvSpPr/>
           <p:nvPr>
             <p:ph type="title"/>
@@ -8046,14 +7088,14 @@
                   <a:solidFill/>
                 </a:uFill>
               </a:rPr>
-              <a:t>Fragments</a:t>
+              <a:t>Assignment 15</a:t>
             </a:r>
           </a:p>
         </p:txBody>
       </p:sp>
       <p:sp>
         <p:nvSpPr>
-          <p:cNvPr id="144" name="Shape 144"/>
+          <p:cNvPr id="121" name="Shape 121"/>
           <p:cNvSpPr/>
           <p:nvPr>
             <p:ph type="body" idx="1"/>
@@ -8061,8 +7103,8 @@
         </p:nvSpPr>
         <p:spPr>
           <a:xfrm>
-            <a:off x="571500" y="1905000"/>
-            <a:ext cx="8001000" cy="4114800"/>
+            <a:off x="571500" y="2573953"/>
+            <a:ext cx="8001000" cy="3117013"/>
           </a:xfrm>
           <a:prstGeom prst="rect">
             <a:avLst/>
@@ -8072,7 +7114,7 @@
           <a:bodyPr/>
           <a:lstStyle/>
           <a:p>
-            <a:pPr lvl="0">
+            <a:pPr lvl="0" marL="609600" indent="-609600">
               <a:defRPr sz="1800">
                 <a:uFillTx/>
               </a:defRPr>
@@ -8083,7 +7125,7 @@
                   <a:solidFill/>
                 </a:uFill>
               </a:rPr>
-              <a:t>Fragment Manager</a:t>
+              <a:t>Move View Rendering logic to Fragment</a:t>
             </a:r>
             <a:endParaRPr sz="2400">
               <a:uFill>
@@ -8092,7 +7134,7 @@
             </a:endParaRPr>
           </a:p>
           <a:p>
-            <a:pPr lvl="0">
+            <a:pPr lvl="0" marL="609600" indent="-609600">
               <a:defRPr sz="1800">
                 <a:uFillTx/>
               </a:defRPr>
@@ -8103,7 +7145,27 @@
                   <a:solidFill/>
                 </a:uFill>
               </a:rPr>
-              <a:t>How to convert an Activity to a Fragment</a:t>
+              <a:t>Send parameters to Fragment</a:t>
+            </a:r>
+            <a:endParaRPr sz="2400">
+              <a:uFill>
+                <a:solidFill/>
+              </a:uFill>
+            </a:endParaRPr>
+          </a:p>
+          <a:p>
+            <a:pPr lvl="0" marL="609600" indent="-609600">
+              <a:defRPr sz="1800">
+                <a:uFillTx/>
+              </a:defRPr>
+            </a:pPr>
+            <a:r>
+              <a:rPr sz="2400">
+                <a:uFill>
+                  <a:solidFill/>
+                </a:uFill>
+              </a:rPr>
+              <a:t>Add Fragment to Activity using Fragment Manager</a:t>
             </a:r>
           </a:p>
         </p:txBody>
@@ -8136,7 +7198,7 @@
       </p:grpSpPr>
       <p:sp>
         <p:nvSpPr>
-          <p:cNvPr id="148" name="Shape 148"/>
+          <p:cNvPr id="123" name="Shape 123"/>
           <p:cNvSpPr/>
           <p:nvPr>
             <p:ph type="title"/>
@@ -8168,14 +7230,14 @@
                   <a:solidFill/>
                 </a:uFill>
               </a:rPr>
-              <a:t>Assignment 15</a:t>
+              <a:t>View Pager</a:t>
             </a:r>
           </a:p>
         </p:txBody>
       </p:sp>
       <p:sp>
         <p:nvSpPr>
-          <p:cNvPr id="149" name="Shape 149"/>
+          <p:cNvPr id="124" name="Shape 124"/>
           <p:cNvSpPr/>
           <p:nvPr>
             <p:ph type="body" idx="1"/>
@@ -8183,8 +7245,8 @@
         </p:nvSpPr>
         <p:spPr>
           <a:xfrm>
-            <a:off x="571500" y="2573954"/>
-            <a:ext cx="8001000" cy="3117012"/>
+            <a:off x="571500" y="1905000"/>
+            <a:ext cx="8001000" cy="4114800"/>
           </a:xfrm>
           <a:prstGeom prst="rect">
             <a:avLst/>
@@ -8194,7 +7256,7 @@
           <a:bodyPr/>
           <a:lstStyle/>
           <a:p>
-            <a:pPr lvl="0">
+            <a:pPr lvl="0" marL="609600" indent="-609600">
               <a:defRPr sz="1800">
                 <a:uFillTx/>
               </a:defRPr>
@@ -8205,7 +7267,7 @@
                   <a:solidFill/>
                 </a:uFill>
               </a:rPr>
-              <a:t>Move View Rendering logic to Fragment</a:t>
+              <a:t>Introduction to View Pager</a:t>
             </a:r>
             <a:endParaRPr sz="2400">
               <a:uFill>
@@ -8214,149 +7276,7 @@
             </a:endParaRPr>
           </a:p>
           <a:p>
-            <a:pPr lvl="0">
-              <a:defRPr sz="1800">
-                <a:uFillTx/>
-              </a:defRPr>
-            </a:pPr>
-            <a:r>
-              <a:rPr sz="2400">
-                <a:uFill>
-                  <a:solidFill/>
-                </a:uFill>
-              </a:rPr>
-              <a:t>Send parameters to Fragment</a:t>
-            </a:r>
-            <a:endParaRPr sz="2400">
-              <a:uFill>
-                <a:solidFill/>
-              </a:uFill>
-            </a:endParaRPr>
-          </a:p>
-          <a:p>
-            <a:pPr lvl="0">
-              <a:defRPr sz="1800">
-                <a:uFillTx/>
-              </a:defRPr>
-            </a:pPr>
-            <a:r>
-              <a:rPr sz="2400">
-                <a:uFill>
-                  <a:solidFill/>
-                </a:uFill>
-              </a:rPr>
-              <a:t>Add Fragment to Activity using Fragment Manager</a:t>
-            </a:r>
-          </a:p>
-        </p:txBody>
-      </p:sp>
-    </p:spTree>
-  </p:cSld>
-  <p:clrMapOvr>
-    <a:masterClrMapping/>
-  </p:clrMapOvr>
-  <p:transition spd="med" advClick="1"/>
-</p:sld>
-</file>
-
-<file path=ppt/slides/slide8.xml><?xml version="1.0" encoding="utf-8"?>
-<p:sld xmlns:a="http://schemas.openxmlformats.org/drawingml/2006/main" xmlns:r="http://schemas.openxmlformats.org/officeDocument/2006/relationships" xmlns:p="http://schemas.openxmlformats.org/presentationml/2006/main" showMasterSp="1" showMasterPhAnim="1">
-  <p:cSld>
-    <p:spTree>
-      <p:nvGrpSpPr>
-        <p:cNvPr id="1" name=""/>
-        <p:cNvGrpSpPr/>
-        <p:nvPr/>
-      </p:nvGrpSpPr>
-      <p:grpSpPr>
-        <a:xfrm>
-          <a:off x="0" y="0"/>
-          <a:ext cx="0" cy="0"/>
-          <a:chOff x="0" y="0"/>
-          <a:chExt cx="0" cy="0"/>
-        </a:xfrm>
-      </p:grpSpPr>
-      <p:sp>
-        <p:nvSpPr>
-          <p:cNvPr id="151" name="Shape 151"/>
-          <p:cNvSpPr/>
-          <p:nvPr>
-            <p:ph type="title"/>
-          </p:nvPr>
-        </p:nvSpPr>
-        <p:spPr>
-          <a:xfrm>
-            <a:off x="571500" y="274638"/>
-            <a:ext cx="8001000" cy="1143001"/>
-          </a:xfrm>
-          <a:prstGeom prst="rect">
-            <a:avLst/>
-          </a:prstGeom>
-        </p:spPr>
-        <p:txBody>
-          <a:bodyPr lIns="0" tIns="0" rIns="0" bIns="0">
-            <a:normAutofit fontScale="100000" lnSpcReduction="0"/>
-          </a:bodyPr>
-          <a:lstStyle/>
-          <a:p>
-            <a:pPr lvl="0">
-              <a:defRPr sz="1800">
-                <a:uFillTx/>
-              </a:defRPr>
-            </a:pPr>
-            <a:r>
-              <a:rPr sz="5400">
-                <a:uFill>
-                  <a:solidFill/>
-                </a:uFill>
-              </a:rPr>
-              <a:t>View Pager</a:t>
-            </a:r>
-          </a:p>
-        </p:txBody>
-      </p:sp>
-      <p:sp>
-        <p:nvSpPr>
-          <p:cNvPr id="152" name="Shape 152"/>
-          <p:cNvSpPr/>
-          <p:nvPr>
-            <p:ph type="body" idx="1"/>
-          </p:nvPr>
-        </p:nvSpPr>
-        <p:spPr>
-          <a:xfrm>
-            <a:off x="571500" y="1905000"/>
-            <a:ext cx="8001000" cy="4114800"/>
-          </a:xfrm>
-          <a:prstGeom prst="rect">
-            <a:avLst/>
-          </a:prstGeom>
-        </p:spPr>
-        <p:txBody>
-          <a:bodyPr/>
-          <a:lstStyle/>
-          <a:p>
-            <a:pPr lvl="0">
-              <a:defRPr sz="1800">
-                <a:uFillTx/>
-              </a:defRPr>
-            </a:pPr>
-            <a:r>
-              <a:rPr sz="2400">
-                <a:uFill>
-                  <a:solidFill/>
-                </a:uFill>
-              </a:rPr>
-              <a:t>Introduction to View Pager</a:t>
-            </a:r>
-            <a:endParaRPr sz="2400">
-              <a:uFill>
-                <a:solidFill/>
-              </a:uFill>
-            </a:endParaRPr>
-          </a:p>
-          <a:p>
-            <a:pPr lvl="0">
+            <a:pPr lvl="0" marL="609600" indent="-609600">
               <a:defRPr sz="1800">
                 <a:uFillTx/>
               </a:defRPr>
@@ -8411,7 +7331,7 @@
                                       <p:cBhvr>
                                         <p:cTn id="6" fill="hold"/>
                                         <p:tgtEl>
-                                          <p:spTgt spid="152">
+                                          <p:spTgt spid="124">
                                             <p:bg/>
                                           </p:spTgt>
                                         </p:tgtEl>
@@ -8439,7 +7359,7 @@
                                       <p:cBhvr>
                                         <p:cTn id="8" fill="hold"/>
                                         <p:tgtEl>
-                                          <p:spTgt spid="152">
+                                          <p:spTgt spid="124">
                                             <p:txEl>
                                               <p:pRg st="0" end="0"/>
                                             </p:txEl>
@@ -8487,7 +7407,7 @@
                                       <p:cBhvr>
                                         <p:cTn id="12" fill="hold"/>
                                         <p:tgtEl>
-                                          <p:spTgt spid="152">
+                                          <p:spTgt spid="124">
                                             <p:txEl>
                                               <p:pRg st="1" end="1"/>
                                             </p:txEl>
@@ -8532,9 +7452,171 @@
       </p:par>
     </p:tnLst>
     <p:bldLst>
-      <p:bldP build="p" bldLvl="1" animBg="1" rev="0" advAuto="0" spid="152" grpId="1"/>
+      <p:bldP build="p" bldLvl="5" animBg="1" rev="0" advAuto="0" spid="124" grpId="1"/>
     </p:bldLst>
   </p:timing>
+</p:sld>
+</file>
+
+<file path=ppt/slides/slide8.xml><?xml version="1.0" encoding="utf-8"?>
+<p:sld xmlns:a="http://schemas.openxmlformats.org/drawingml/2006/main" xmlns:r="http://schemas.openxmlformats.org/officeDocument/2006/relationships" xmlns:p="http://schemas.openxmlformats.org/presentationml/2006/main" showMasterSp="1" showMasterPhAnim="1">
+  <p:cSld>
+    <p:spTree>
+      <p:nvGrpSpPr>
+        <p:cNvPr id="1" name=""/>
+        <p:cNvGrpSpPr/>
+        <p:nvPr/>
+      </p:nvGrpSpPr>
+      <p:grpSpPr>
+        <a:xfrm>
+          <a:off x="0" y="0"/>
+          <a:ext cx="0" cy="0"/>
+          <a:chOff x="0" y="0"/>
+          <a:chExt cx="0" cy="0"/>
+        </a:xfrm>
+      </p:grpSpPr>
+      <p:sp>
+        <p:nvSpPr>
+          <p:cNvPr id="126" name="Shape 126"/>
+          <p:cNvSpPr/>
+          <p:nvPr>
+            <p:ph type="title"/>
+          </p:nvPr>
+        </p:nvSpPr>
+        <p:spPr>
+          <a:xfrm>
+            <a:off x="571500" y="274638"/>
+            <a:ext cx="8001000" cy="1143001"/>
+          </a:xfrm>
+          <a:prstGeom prst="rect">
+            <a:avLst/>
+          </a:prstGeom>
+        </p:spPr>
+        <p:txBody>
+          <a:bodyPr lIns="0" tIns="0" rIns="0" bIns="0">
+            <a:normAutofit fontScale="100000" lnSpcReduction="0"/>
+          </a:bodyPr>
+          <a:lstStyle/>
+          <a:p>
+            <a:pPr lvl="0">
+              <a:defRPr sz="1800">
+                <a:uFillTx/>
+              </a:defRPr>
+            </a:pPr>
+            <a:r>
+              <a:rPr sz="5400">
+                <a:uFill>
+                  <a:solidFill/>
+                </a:uFill>
+              </a:rPr>
+              <a:t>Assignment 16</a:t>
+            </a:r>
+          </a:p>
+        </p:txBody>
+      </p:sp>
+      <p:sp>
+        <p:nvSpPr>
+          <p:cNvPr id="127" name="Shape 127"/>
+          <p:cNvSpPr/>
+          <p:nvPr>
+            <p:ph type="body" idx="1"/>
+          </p:nvPr>
+        </p:nvSpPr>
+        <p:spPr>
+          <a:xfrm>
+            <a:off x="571500" y="1905000"/>
+            <a:ext cx="8001000" cy="4114800"/>
+          </a:xfrm>
+          <a:prstGeom prst="rect">
+            <a:avLst/>
+          </a:prstGeom>
+        </p:spPr>
+        <p:txBody>
+          <a:bodyPr/>
+          <a:lstStyle/>
+          <a:p>
+            <a:pPr lvl="0" marL="609600" indent="-609600">
+              <a:defRPr sz="1800">
+                <a:uFillTx/>
+              </a:defRPr>
+            </a:pPr>
+            <a:r>
+              <a:rPr sz="2400">
+                <a:uFill>
+                  <a:solidFill/>
+                </a:uFill>
+              </a:rPr>
+              <a:t>Send all the products from the Listing Activity to the Details Activity</a:t>
+            </a:r>
+            <a:endParaRPr sz="2400">
+              <a:uFill>
+                <a:solidFill/>
+              </a:uFill>
+            </a:endParaRPr>
+          </a:p>
+          <a:p>
+            <a:pPr lvl="0" marL="609600" indent="-609600">
+              <a:defRPr sz="1800">
+                <a:uFillTx/>
+              </a:defRPr>
+            </a:pPr>
+            <a:r>
+              <a:rPr sz="2400">
+                <a:uFill>
+                  <a:solidFill/>
+                </a:uFill>
+              </a:rPr>
+              <a:t>Add View Pager to the Activity Layout</a:t>
+            </a:r>
+            <a:endParaRPr sz="2400">
+              <a:uFill>
+                <a:solidFill/>
+              </a:uFill>
+            </a:endParaRPr>
+          </a:p>
+          <a:p>
+            <a:pPr lvl="0" marL="609600" indent="-609600">
+              <a:defRPr sz="1800">
+                <a:uFillTx/>
+              </a:defRPr>
+            </a:pPr>
+            <a:r>
+              <a:rPr sz="2400">
+                <a:uFill>
+                  <a:solidFill/>
+                </a:uFill>
+              </a:rPr>
+              <a:t>Implement Fragment State Pager Adapter</a:t>
+            </a:r>
+            <a:endParaRPr sz="2400">
+              <a:uFill>
+                <a:solidFill/>
+              </a:uFill>
+            </a:endParaRPr>
+          </a:p>
+          <a:p>
+            <a:pPr lvl="0" marL="609600" indent="-609600">
+              <a:defRPr sz="1800">
+                <a:uFillTx/>
+              </a:defRPr>
+            </a:pPr>
+            <a:r>
+              <a:rPr sz="2400">
+                <a:uFill>
+                  <a:solidFill/>
+                </a:uFill>
+              </a:rPr>
+              <a:t>Assign Pager Adapter to View Pager</a:t>
+            </a:r>
+          </a:p>
+        </p:txBody>
+      </p:sp>
+    </p:spTree>
+  </p:cSld>
+  <p:clrMapOvr>
+    <a:masterClrMapping/>
+  </p:clrMapOvr>
+  <p:transition spd="med" advClick="1"/>
 </p:sld>
 </file>
 
@@ -8557,7 +7639,7 @@
       </p:grpSpPr>
       <p:sp>
         <p:nvSpPr>
-          <p:cNvPr id="154" name="Shape 154"/>
+          <p:cNvPr id="129" name="Shape 129"/>
           <p:cNvSpPr/>
           <p:nvPr>
             <p:ph type="title"/>
@@ -8565,7 +7647,7 @@
         </p:nvSpPr>
         <p:spPr>
           <a:xfrm>
-            <a:off x="571500" y="274638"/>
+            <a:off x="571500" y="2784157"/>
             <a:ext cx="8001000" cy="1143001"/>
           </a:xfrm>
           <a:prstGeom prst="rect">
@@ -8589,84 +7671,7 @@
                   <a:solidFill/>
                 </a:uFill>
               </a:rPr>
-              <a:t>Assignment 16</a:t>
-            </a:r>
-          </a:p>
-        </p:txBody>
-      </p:sp>
-      <p:sp>
-        <p:nvSpPr>
-          <p:cNvPr id="155" name="Shape 155"/>
-          <p:cNvSpPr/>
-          <p:nvPr>
-            <p:ph type="body" idx="1"/>
-          </p:nvPr>
-        </p:nvSpPr>
-        <p:spPr>
-          <a:xfrm>
-            <a:off x="571500" y="1905000"/>
-            <a:ext cx="8001000" cy="4114800"/>
-          </a:xfrm>
-          <a:prstGeom prst="rect">
-            <a:avLst/>
-          </a:prstGeom>
-        </p:spPr>
-        <p:txBody>
-          <a:bodyPr/>
-          <a:lstStyle/>
-          <a:p>
-            <a:pPr lvl="0">
-              <a:defRPr sz="1800">
-                <a:uFillTx/>
-              </a:defRPr>
-            </a:pPr>
-            <a:r>
-              <a:rPr sz="2400">
-                <a:uFill>
-                  <a:solidFill/>
-                </a:uFill>
-              </a:rPr>
-              <a:t>Add View Pager to the Activity Layout</a:t>
-            </a:r>
-            <a:endParaRPr sz="2400">
-              <a:uFill>
-                <a:solidFill/>
-              </a:uFill>
-            </a:endParaRPr>
-          </a:p>
-          <a:p>
-            <a:pPr lvl="0">
-              <a:defRPr sz="1800">
-                <a:uFillTx/>
-              </a:defRPr>
-            </a:pPr>
-            <a:r>
-              <a:rPr sz="2400">
-                <a:uFill>
-                  <a:solidFill/>
-                </a:uFill>
-              </a:rPr>
-              <a:t>Implement Fragment State Pager Adapter</a:t>
-            </a:r>
-            <a:endParaRPr sz="2400">
-              <a:uFill>
-                <a:solidFill/>
-              </a:uFill>
-            </a:endParaRPr>
-          </a:p>
-          <a:p>
-            <a:pPr lvl="0">
-              <a:defRPr sz="1800">
-                <a:uFillTx/>
-              </a:defRPr>
-            </a:pPr>
-            <a:r>
-              <a:rPr sz="2400">
-                <a:uFill>
-                  <a:solidFill/>
-                </a:uFill>
-              </a:rPr>
-              <a:t>Assign Pager Adapter to View Pager</a:t>
+              <a:t>Feedback Time</a:t>
             </a:r>
           </a:p>
         </p:txBody>
@@ -8728,9 +7733,9 @@
         <a:cs typeface="Helvetica"/>
       </a:majorFont>
       <a:minorFont>
-        <a:latin typeface="Calisto MT"/>
-        <a:ea typeface="Calisto MT"/>
-        <a:cs typeface="Calisto MT"/>
+        <a:latin typeface="Helvetica Neue"/>
+        <a:ea typeface="Helvetica Neue"/>
+        <a:cs typeface="Helvetica Neue"/>
       </a:minorFont>
     </a:fontScheme>
     <a:fmtScheme name="Default">
@@ -8824,7 +7829,13 @@
           </a:effectLst>
         </a:effectStyle>
         <a:effectStyle>
-          <a:effectLst/>
+          <a:effectLst>
+            <a:outerShdw sx="100000" sy="100000" kx="0" ky="0" algn="b" rotWithShape="0" blurRad="50800" dist="25400" dir="6600000">
+              <a:srgbClr val="000000">
+                <a:alpha val="35000"/>
+              </a:srgbClr>
+            </a:outerShdw>
+          </a:effectLst>
         </a:effectStyle>
       </a:effectStyleLst>
       <a:bgFillStyleLst>
@@ -8883,14 +7894,14 @@
     <a:spDef>
       <a:spPr>
         <a:solidFill>
-          <a:srgbClr val="EAC968"/>
+          <a:srgbClr val="FFFFFF"/>
         </a:solidFill>
         <a:ln w="25400" cap="flat">
           <a:solidFill>
             <a:srgbClr val="B74D21"/>
           </a:solidFill>
           <a:prstDash val="solid"/>
-          <a:round/>
+          <a:bevel/>
         </a:ln>
         <a:effectLst>
           <a:outerShdw sx="100000" sy="100000" kx="0" ky="0" algn="b" rotWithShape="0" blurRad="50800" dist="25400" dir="6600000">
@@ -8900,7 +7911,7 @@
           </a:outerShdw>
         </a:effectLst>
       </a:spPr>
-      <a:bodyPr rot="0" spcFirstLastPara="1" vertOverflow="overflow" horzOverflow="overflow" vert="horz" wrap="square" lIns="45719" tIns="45719" rIns="45719" bIns="45719" numCol="1" spcCol="38100" rtlCol="0" anchor="ctr" upright="0">
+      <a:bodyPr rot="0" spcFirstLastPara="1" vertOverflow="overflow" horzOverflow="overflow" vert="horz" wrap="square" lIns="45718" tIns="45718" rIns="45718" bIns="45718" numCol="1" spcCol="38100" rtlCol="0" anchor="ctr" upright="0">
         <a:spAutoFit/>
       </a:bodyPr>
       <a:lstStyle>
@@ -8932,9 +7943,9 @@
                 <a:srgbClr val="000000"/>
               </a:solidFill>
             </a:uFill>
-            <a:latin typeface="+mn-lt"/>
-            <a:ea typeface="+mn-ea"/>
-            <a:cs typeface="+mn-cs"/>
+            <a:latin typeface="Calisto MT"/>
+            <a:ea typeface="Calisto MT"/>
+            <a:cs typeface="Calisto MT"/>
             <a:sym typeface="Calisto MT"/>
           </a:defRPr>
         </a:defPPr>
@@ -9188,9 +8199,15 @@
             <a:srgbClr val="B74D21"/>
           </a:solidFill>
           <a:prstDash val="solid"/>
-          <a:round/>
+          <a:bevel/>
         </a:ln>
-        <a:effectLst/>
+        <a:effectLst>
+          <a:outerShdw sx="100000" sy="100000" kx="0" ky="0" algn="b" rotWithShape="0" blurRad="50800" dist="25400" dir="6600000">
+            <a:srgbClr val="000000">
+              <a:alpha val="35000"/>
+            </a:srgbClr>
+          </a:outerShdw>
+        </a:effectLst>
       </a:spPr>
       <a:bodyPr rot="0" spcFirstLastPara="1" vertOverflow="overflow" horzOverflow="overflow" vert="horz" wrap="square" lIns="91439" tIns="45719" rIns="91439" bIns="45719" numCol="1" spcCol="38100" rtlCol="0" anchor="t" upright="0">
         <a:noAutofit/>
@@ -9473,7 +8490,7 @@
         </a:ln>
         <a:effectLst/>
       </a:spPr>
-      <a:bodyPr rot="0" spcFirstLastPara="1" vertOverflow="overflow" horzOverflow="overflow" vert="horz" wrap="square" lIns="45719" tIns="45719" rIns="45719" bIns="45719" numCol="1" spcCol="38100" rtlCol="0" anchor="t" upright="0">
+      <a:bodyPr rot="0" spcFirstLastPara="1" vertOverflow="overflow" horzOverflow="overflow" vert="horz" wrap="square" lIns="45718" tIns="45718" rIns="45718" bIns="45718" numCol="1" spcCol="38100" rtlCol="0" anchor="t" upright="0">
         <a:spAutoFit/>
       </a:bodyPr>
       <a:lstStyle>
@@ -9505,9 +8522,9 @@
                 <a:srgbClr val="000000"/>
               </a:solidFill>
             </a:uFill>
-            <a:latin typeface="+mn-lt"/>
-            <a:ea typeface="+mn-ea"/>
-            <a:cs typeface="+mn-cs"/>
+            <a:latin typeface="Calisto MT"/>
+            <a:ea typeface="Calisto MT"/>
+            <a:cs typeface="Calisto MT"/>
             <a:sym typeface="Calisto MT"/>
           </a:defRPr>
         </a:defPPr>
@@ -9805,9 +8822,9 @@
         <a:cs typeface="Helvetica"/>
       </a:majorFont>
       <a:minorFont>
-        <a:latin typeface="Calisto MT"/>
-        <a:ea typeface="Calisto MT"/>
-        <a:cs typeface="Calisto MT"/>
+        <a:latin typeface="Helvetica Neue"/>
+        <a:ea typeface="Helvetica Neue"/>
+        <a:cs typeface="Helvetica Neue"/>
       </a:minorFont>
     </a:fontScheme>
     <a:fmtScheme name="Default">
@@ -9901,7 +8918,13 @@
           </a:effectLst>
         </a:effectStyle>
         <a:effectStyle>
-          <a:effectLst/>
+          <a:effectLst>
+            <a:outerShdw sx="100000" sy="100000" kx="0" ky="0" algn="b" rotWithShape="0" blurRad="50800" dist="25400" dir="6600000">
+              <a:srgbClr val="000000">
+                <a:alpha val="35000"/>
+              </a:srgbClr>
+            </a:outerShdw>
+          </a:effectLst>
         </a:effectStyle>
       </a:effectStyleLst>
       <a:bgFillStyleLst>
@@ -9960,14 +8983,14 @@
     <a:spDef>
       <a:spPr>
         <a:solidFill>
-          <a:srgbClr val="EAC968"/>
+          <a:srgbClr val="FFFFFF"/>
         </a:solidFill>
         <a:ln w="25400" cap="flat">
           <a:solidFill>
             <a:srgbClr val="B74D21"/>
           </a:solidFill>
           <a:prstDash val="solid"/>
-          <a:round/>
+          <a:bevel/>
         </a:ln>
         <a:effectLst>
           <a:outerShdw sx="100000" sy="100000" kx="0" ky="0" algn="b" rotWithShape="0" blurRad="50800" dist="25400" dir="6600000">
@@ -9977,7 +9000,7 @@
           </a:outerShdw>
         </a:effectLst>
       </a:spPr>
-      <a:bodyPr rot="0" spcFirstLastPara="1" vertOverflow="overflow" horzOverflow="overflow" vert="horz" wrap="square" lIns="45719" tIns="45719" rIns="45719" bIns="45719" numCol="1" spcCol="38100" rtlCol="0" anchor="ctr" upright="0">
+      <a:bodyPr rot="0" spcFirstLastPara="1" vertOverflow="overflow" horzOverflow="overflow" vert="horz" wrap="square" lIns="45718" tIns="45718" rIns="45718" bIns="45718" numCol="1" spcCol="38100" rtlCol="0" anchor="ctr" upright="0">
         <a:spAutoFit/>
       </a:bodyPr>
       <a:lstStyle>
@@ -10009,9 +9032,9 @@
                 <a:srgbClr val="000000"/>
               </a:solidFill>
             </a:uFill>
-            <a:latin typeface="+mn-lt"/>
-            <a:ea typeface="+mn-ea"/>
-            <a:cs typeface="+mn-cs"/>
+            <a:latin typeface="Calisto MT"/>
+            <a:ea typeface="Calisto MT"/>
+            <a:cs typeface="Calisto MT"/>
             <a:sym typeface="Calisto MT"/>
           </a:defRPr>
         </a:defPPr>
@@ -10265,9 +9288,15 @@
             <a:srgbClr val="B74D21"/>
           </a:solidFill>
           <a:prstDash val="solid"/>
-          <a:round/>
+          <a:bevel/>
         </a:ln>
-        <a:effectLst/>
+        <a:effectLst>
+          <a:outerShdw sx="100000" sy="100000" kx="0" ky="0" algn="b" rotWithShape="0" blurRad="50800" dist="25400" dir="6600000">
+            <a:srgbClr val="000000">
+              <a:alpha val="35000"/>
+            </a:srgbClr>
+          </a:outerShdw>
+        </a:effectLst>
       </a:spPr>
       <a:bodyPr rot="0" spcFirstLastPara="1" vertOverflow="overflow" horzOverflow="overflow" vert="horz" wrap="square" lIns="91439" tIns="45719" rIns="91439" bIns="45719" numCol="1" spcCol="38100" rtlCol="0" anchor="t" upright="0">
         <a:noAutofit/>
@@ -10550,7 +9579,7 @@
         </a:ln>
         <a:effectLst/>
       </a:spPr>
-      <a:bodyPr rot="0" spcFirstLastPara="1" vertOverflow="overflow" horzOverflow="overflow" vert="horz" wrap="square" lIns="45719" tIns="45719" rIns="45719" bIns="45719" numCol="1" spcCol="38100" rtlCol="0" anchor="t" upright="0">
+      <a:bodyPr rot="0" spcFirstLastPara="1" vertOverflow="overflow" horzOverflow="overflow" vert="horz" wrap="square" lIns="45718" tIns="45718" rIns="45718" bIns="45718" numCol="1" spcCol="38100" rtlCol="0" anchor="t" upright="0">
         <a:spAutoFit/>
       </a:bodyPr>
       <a:lstStyle>
@@ -10582,9 +9611,9 @@
                 <a:srgbClr val="000000"/>
               </a:solidFill>
             </a:uFill>
-            <a:latin typeface="+mn-lt"/>
-            <a:ea typeface="+mn-ea"/>
-            <a:cs typeface="+mn-cs"/>
+            <a:latin typeface="Calisto MT"/>
+            <a:ea typeface="Calisto MT"/>
+            <a:cs typeface="Calisto MT"/>
             <a:sym typeface="Calisto MT"/>
           </a:defRPr>
         </a:defPPr>
